--- a/RRASC Marketing Strategy Propossal.pptx
+++ b/RRASC Marketing Strategy Propossal.pptx
@@ -6,16 +6,20 @@
   </p:sldMasterIdLst>
   <p:sldIdLst>
     <p:sldId id="256" r:id="rId2"/>
-    <p:sldId id="264" r:id="rId3"/>
-    <p:sldId id="258" r:id="rId4"/>
-    <p:sldId id="259" r:id="rId5"/>
-    <p:sldId id="263" r:id="rId6"/>
-    <p:sldId id="265" r:id="rId7"/>
-    <p:sldId id="262" r:id="rId8"/>
-    <p:sldId id="267" r:id="rId9"/>
-    <p:sldId id="266" r:id="rId10"/>
-    <p:sldId id="260" r:id="rId11"/>
-    <p:sldId id="261" r:id="rId12"/>
+    <p:sldId id="273" r:id="rId3"/>
+    <p:sldId id="265" r:id="rId4"/>
+    <p:sldId id="262" r:id="rId5"/>
+    <p:sldId id="267" r:id="rId6"/>
+    <p:sldId id="266" r:id="rId7"/>
+    <p:sldId id="269" r:id="rId8"/>
+    <p:sldId id="270" r:id="rId9"/>
+    <p:sldId id="271" r:id="rId10"/>
+    <p:sldId id="263" r:id="rId11"/>
+    <p:sldId id="258" r:id="rId12"/>
+    <p:sldId id="272" r:id="rId13"/>
+    <p:sldId id="268" r:id="rId14"/>
+    <p:sldId id="259" r:id="rId15"/>
+    <p:sldId id="261" r:id="rId16"/>
   </p:sldIdLst>
   <p:sldSz cx="12192000" cy="6858000"/>
   <p:notesSz cx="6858000" cy="9144000"/>
@@ -114,7 +118,1223 @@
       </a:defRPr>
     </a:lvl9pPr>
   </p:defaultTextStyle>
+  <p:extLst>
+    <p:ext uri="{EFAFB233-063F-42B5-8137-9DF3F51BA10A}">
+      <p15:sldGuideLst xmlns:p15="http://schemas.microsoft.com/office/powerpoint/2012/main"/>
+    </p:ext>
+  </p:extLst>
 </p:presentation>
+</file>
+
+<file path=ppt/charts/chart1.xml><?xml version="1.0" encoding="utf-8"?>
+<c:chartSpace xmlns:c="http://schemas.openxmlformats.org/drawingml/2006/chart" xmlns:a="http://schemas.openxmlformats.org/drawingml/2006/main" xmlns:r="http://schemas.openxmlformats.org/officeDocument/2006/relationships">
+  <c:date1904 val="0"/>
+  <c:lang val="en-US"/>
+  <c:roundedCorners val="0"/>
+  <mc:AlternateContent xmlns:mc="http://schemas.openxmlformats.org/markup-compatibility/2006">
+    <mc:Choice xmlns:c14="http://schemas.microsoft.com/office/drawing/2007/8/2/chart" Requires="c14">
+      <c14:style val="102"/>
+    </mc:Choice>
+    <mc:Fallback>
+      <c:style val="2"/>
+    </mc:Fallback>
+  </mc:AlternateContent>
+  <c:chart>
+    <c:autoTitleDeleted val="1"/>
+    <c:view3D>
+      <c:rotX val="0"/>
+      <c:rotY val="0"/>
+      <c:depthPercent val="60"/>
+      <c:rAngAx val="0"/>
+      <c:perspective val="100"/>
+    </c:view3D>
+    <c:floor>
+      <c:thickness val="0"/>
+      <c:spPr>
+        <a:solidFill>
+          <a:schemeClr val="lt1">
+            <a:lumMod val="95000"/>
+          </a:schemeClr>
+        </a:solidFill>
+        <a:ln>
+          <a:noFill/>
+        </a:ln>
+        <a:effectLst/>
+        <a:sp3d/>
+      </c:spPr>
+    </c:floor>
+    <c:sideWall>
+      <c:thickness val="0"/>
+      <c:spPr>
+        <a:noFill/>
+        <a:ln w="25400">
+          <a:noFill/>
+        </a:ln>
+        <a:effectLst/>
+        <a:sp3d/>
+      </c:spPr>
+    </c:sideWall>
+    <c:backWall>
+      <c:thickness val="0"/>
+      <c:spPr>
+        <a:noFill/>
+        <a:ln w="25400">
+          <a:noFill/>
+        </a:ln>
+        <a:effectLst/>
+        <a:sp3d/>
+      </c:spPr>
+    </c:backWall>
+    <c:plotArea>
+      <c:layout>
+        <c:manualLayout>
+          <c:layoutTarget val="inner"/>
+          <c:xMode val="edge"/>
+          <c:yMode val="edge"/>
+          <c:x val="7.6552575459317582E-2"/>
+          <c:y val="0.16201196421469127"/>
+          <c:w val="0.89844746555118116"/>
+          <c:h val="0.76748654235442038"/>
+        </c:manualLayout>
+      </c:layout>
+      <c:bar3DChart>
+        <c:barDir val="col"/>
+        <c:grouping val="clustered"/>
+        <c:varyColors val="0"/>
+        <c:ser>
+          <c:idx val="0"/>
+          <c:order val="0"/>
+          <c:tx>
+            <c:strRef>
+              <c:f>Sheet1!$B$1</c:f>
+              <c:strCache>
+                <c:ptCount val="1"/>
+                <c:pt idx="0">
+                  <c:v>Current Annual Revenue</c:v>
+                </c:pt>
+              </c:strCache>
+            </c:strRef>
+          </c:tx>
+          <c:spPr>
+            <a:solidFill>
+              <a:schemeClr val="accent1">
+                <a:alpha val="85000"/>
+              </a:schemeClr>
+            </a:solidFill>
+            <a:ln w="9525" cap="flat" cmpd="sng" algn="ctr">
+              <a:solidFill>
+                <a:schemeClr val="accent1">
+                  <a:lumMod val="75000"/>
+                </a:schemeClr>
+              </a:solidFill>
+              <a:round/>
+            </a:ln>
+            <a:effectLst/>
+            <a:sp3d contourW="9525">
+              <a:contourClr>
+                <a:schemeClr val="accent1">
+                  <a:lumMod val="75000"/>
+                </a:schemeClr>
+              </a:contourClr>
+            </a:sp3d>
+          </c:spPr>
+          <c:invertIfNegative val="0"/>
+          <c:dLbls>
+            <c:numFmt formatCode="&quot;$&quot;#,##0" sourceLinked="0"/>
+            <c:spPr>
+              <a:noFill/>
+              <a:ln>
+                <a:noFill/>
+              </a:ln>
+              <a:effectLst/>
+            </c:spPr>
+            <c:txPr>
+              <a:bodyPr rot="0" spcFirstLastPara="1" vertOverflow="ellipsis" vert="horz" wrap="square" lIns="38100" tIns="19050" rIns="38100" bIns="19050" anchor="ctr" anchorCtr="1">
+                <a:spAutoFit/>
+              </a:bodyPr>
+              <a:lstStyle/>
+              <a:p>
+                <a:pPr>
+                  <a:defRPr sz="1800" b="0" i="0" u="none" strike="noStrike" kern="1200" baseline="0">
+                    <a:solidFill>
+                      <a:schemeClr val="dk1">
+                        <a:lumMod val="75000"/>
+                        <a:lumOff val="25000"/>
+                      </a:schemeClr>
+                    </a:solidFill>
+                    <a:latin typeface="+mn-lt"/>
+                    <a:ea typeface="+mn-ea"/>
+                    <a:cs typeface="+mn-cs"/>
+                  </a:defRPr>
+                </a:pPr>
+                <a:endParaRPr lang="en-US"/>
+              </a:p>
+            </c:txPr>
+            <c:showLegendKey val="0"/>
+            <c:showVal val="1"/>
+            <c:showCatName val="0"/>
+            <c:showSerName val="0"/>
+            <c:showPercent val="0"/>
+            <c:showBubbleSize val="0"/>
+            <c:showLeaderLines val="0"/>
+            <c:extLst>
+              <c:ext xmlns:c15="http://schemas.microsoft.com/office/drawing/2012/chart" uri="{CE6537A1-D6FC-4f65-9D91-7224C49458BB}">
+                <c15:layout/>
+                <c15:showLeaderLines val="1"/>
+                <c15:leaderLines>
+                  <c:spPr>
+                    <a:ln w="9525">
+                      <a:solidFill>
+                        <a:schemeClr val="dk1">
+                          <a:lumMod val="50000"/>
+                          <a:lumOff val="50000"/>
+                        </a:schemeClr>
+                      </a:solidFill>
+                    </a:ln>
+                    <a:effectLst/>
+                  </c:spPr>
+                </c15:leaderLines>
+              </c:ext>
+            </c:extLst>
+          </c:dLbls>
+          <c:cat>
+            <c:numRef>
+              <c:f>Sheet1!$A$2</c:f>
+              <c:numCache>
+                <c:formatCode>General</c:formatCode>
+                <c:ptCount val="1"/>
+              </c:numCache>
+            </c:numRef>
+          </c:cat>
+          <c:val>
+            <c:numRef>
+              <c:f>Sheet1!$B$2</c:f>
+              <c:numCache>
+                <c:formatCode>General</c:formatCode>
+                <c:ptCount val="1"/>
+                <c:pt idx="0">
+                  <c:v>310000</c:v>
+                </c:pt>
+              </c:numCache>
+            </c:numRef>
+          </c:val>
+        </c:ser>
+        <c:ser>
+          <c:idx val="1"/>
+          <c:order val="1"/>
+          <c:tx>
+            <c:strRef>
+              <c:f>Sheet1!$C$1</c:f>
+              <c:strCache>
+                <c:ptCount val="1"/>
+                <c:pt idx="0">
+                  <c:v>Projected Annual Revenue</c:v>
+                </c:pt>
+              </c:strCache>
+            </c:strRef>
+          </c:tx>
+          <c:spPr>
+            <a:solidFill>
+              <a:schemeClr val="accent2">
+                <a:alpha val="85000"/>
+              </a:schemeClr>
+            </a:solidFill>
+            <a:ln w="9525" cap="flat" cmpd="sng" algn="ctr">
+              <a:solidFill>
+                <a:schemeClr val="accent2">
+                  <a:lumMod val="75000"/>
+                </a:schemeClr>
+              </a:solidFill>
+              <a:round/>
+            </a:ln>
+            <a:effectLst/>
+            <a:sp3d contourW="9525">
+              <a:contourClr>
+                <a:schemeClr val="accent2">
+                  <a:lumMod val="75000"/>
+                </a:schemeClr>
+              </a:contourClr>
+            </a:sp3d>
+          </c:spPr>
+          <c:invertIfNegative val="0"/>
+          <c:dLbls>
+            <c:numFmt formatCode="&quot;$&quot;#,##0" sourceLinked="0"/>
+            <c:spPr>
+              <a:noFill/>
+              <a:ln>
+                <a:noFill/>
+              </a:ln>
+              <a:effectLst/>
+            </c:spPr>
+            <c:txPr>
+              <a:bodyPr rot="0" spcFirstLastPara="1" vertOverflow="ellipsis" vert="horz" wrap="square" lIns="38100" tIns="19050" rIns="38100" bIns="19050" anchor="ctr" anchorCtr="1">
+                <a:spAutoFit/>
+              </a:bodyPr>
+              <a:lstStyle/>
+              <a:p>
+                <a:pPr>
+                  <a:defRPr sz="1800" b="0" i="0" u="none" strike="noStrike" kern="1200" baseline="0">
+                    <a:solidFill>
+                      <a:schemeClr val="dk1">
+                        <a:lumMod val="75000"/>
+                        <a:lumOff val="25000"/>
+                      </a:schemeClr>
+                    </a:solidFill>
+                    <a:latin typeface="+mn-lt"/>
+                    <a:ea typeface="+mn-ea"/>
+                    <a:cs typeface="+mn-cs"/>
+                  </a:defRPr>
+                </a:pPr>
+                <a:endParaRPr lang="en-US"/>
+              </a:p>
+            </c:txPr>
+            <c:showLegendKey val="0"/>
+            <c:showVal val="1"/>
+            <c:showCatName val="0"/>
+            <c:showSerName val="0"/>
+            <c:showPercent val="0"/>
+            <c:showBubbleSize val="0"/>
+            <c:showLeaderLines val="0"/>
+            <c:extLst>
+              <c:ext xmlns:c15="http://schemas.microsoft.com/office/drawing/2012/chart" uri="{CE6537A1-D6FC-4f65-9D91-7224C49458BB}">
+                <c15:layout/>
+                <c15:showLeaderLines val="1"/>
+                <c15:leaderLines>
+                  <c:spPr>
+                    <a:ln w="9525">
+                      <a:solidFill>
+                        <a:schemeClr val="dk1">
+                          <a:lumMod val="50000"/>
+                          <a:lumOff val="50000"/>
+                        </a:schemeClr>
+                      </a:solidFill>
+                    </a:ln>
+                    <a:effectLst/>
+                  </c:spPr>
+                </c15:leaderLines>
+              </c:ext>
+            </c:extLst>
+          </c:dLbls>
+          <c:cat>
+            <c:numRef>
+              <c:f>Sheet1!$A$2</c:f>
+              <c:numCache>
+                <c:formatCode>General</c:formatCode>
+                <c:ptCount val="1"/>
+              </c:numCache>
+            </c:numRef>
+          </c:cat>
+          <c:val>
+            <c:numRef>
+              <c:f>Sheet1!$C$2</c:f>
+              <c:numCache>
+                <c:formatCode>General</c:formatCode>
+                <c:ptCount val="1"/>
+                <c:pt idx="0">
+                  <c:v>370000</c:v>
+                </c:pt>
+              </c:numCache>
+            </c:numRef>
+          </c:val>
+        </c:ser>
+        <c:ser>
+          <c:idx val="2"/>
+          <c:order val="2"/>
+          <c:tx>
+            <c:strRef>
+              <c:f>Sheet1!$D$1</c:f>
+              <c:strCache>
+                <c:ptCount val="1"/>
+                <c:pt idx="0">
+                  <c:v>Investment</c:v>
+                </c:pt>
+              </c:strCache>
+            </c:strRef>
+          </c:tx>
+          <c:spPr>
+            <a:solidFill>
+              <a:srgbClr val="92D050"/>
+            </a:solidFill>
+            <a:ln w="9525" cap="flat" cmpd="sng" algn="ctr">
+              <a:solidFill>
+                <a:schemeClr val="accent3">
+                  <a:lumMod val="75000"/>
+                </a:schemeClr>
+              </a:solidFill>
+              <a:round/>
+            </a:ln>
+            <a:effectLst/>
+            <a:sp3d contourW="9525">
+              <a:contourClr>
+                <a:schemeClr val="accent3">
+                  <a:lumMod val="75000"/>
+                </a:schemeClr>
+              </a:contourClr>
+            </a:sp3d>
+          </c:spPr>
+          <c:invertIfNegative val="0"/>
+          <c:dLbls>
+            <c:numFmt formatCode="&quot;$&quot;#,##0" sourceLinked="0"/>
+            <c:spPr>
+              <a:noFill/>
+              <a:ln>
+                <a:noFill/>
+              </a:ln>
+              <a:effectLst/>
+            </c:spPr>
+            <c:txPr>
+              <a:bodyPr rot="0" spcFirstLastPara="1" vertOverflow="ellipsis" vert="horz" wrap="square" lIns="38100" tIns="19050" rIns="38100" bIns="19050" anchor="ctr" anchorCtr="1">
+                <a:spAutoFit/>
+              </a:bodyPr>
+              <a:lstStyle/>
+              <a:p>
+                <a:pPr>
+                  <a:defRPr sz="1800" b="0" i="0" u="none" strike="noStrike" kern="1200" baseline="0">
+                    <a:solidFill>
+                      <a:schemeClr val="dk1">
+                        <a:lumMod val="75000"/>
+                        <a:lumOff val="25000"/>
+                      </a:schemeClr>
+                    </a:solidFill>
+                    <a:latin typeface="+mn-lt"/>
+                    <a:ea typeface="+mn-ea"/>
+                    <a:cs typeface="+mn-cs"/>
+                  </a:defRPr>
+                </a:pPr>
+                <a:endParaRPr lang="en-US"/>
+              </a:p>
+            </c:txPr>
+            <c:showLegendKey val="0"/>
+            <c:showVal val="1"/>
+            <c:showCatName val="0"/>
+            <c:showSerName val="0"/>
+            <c:showPercent val="0"/>
+            <c:showBubbleSize val="0"/>
+            <c:showLeaderLines val="0"/>
+            <c:extLst>
+              <c:ext xmlns:c15="http://schemas.microsoft.com/office/drawing/2012/chart" uri="{CE6537A1-D6FC-4f65-9D91-7224C49458BB}">
+                <c15:layout/>
+                <c15:showLeaderLines val="1"/>
+                <c15:leaderLines>
+                  <c:spPr>
+                    <a:ln w="9525">
+                      <a:solidFill>
+                        <a:schemeClr val="dk1">
+                          <a:lumMod val="50000"/>
+                          <a:lumOff val="50000"/>
+                        </a:schemeClr>
+                      </a:solidFill>
+                    </a:ln>
+                    <a:effectLst/>
+                  </c:spPr>
+                </c15:leaderLines>
+              </c:ext>
+            </c:extLst>
+          </c:dLbls>
+          <c:cat>
+            <c:numRef>
+              <c:f>Sheet1!$A$2</c:f>
+              <c:numCache>
+                <c:formatCode>General</c:formatCode>
+                <c:ptCount val="1"/>
+              </c:numCache>
+            </c:numRef>
+          </c:cat>
+          <c:val>
+            <c:numRef>
+              <c:f>Sheet1!$D$2</c:f>
+              <c:numCache>
+                <c:formatCode>General</c:formatCode>
+                <c:ptCount val="1"/>
+                <c:pt idx="0">
+                  <c:v>10000</c:v>
+                </c:pt>
+              </c:numCache>
+            </c:numRef>
+          </c:val>
+        </c:ser>
+        <c:dLbls>
+          <c:showLegendKey val="0"/>
+          <c:showVal val="0"/>
+          <c:showCatName val="0"/>
+          <c:showSerName val="0"/>
+          <c:showPercent val="0"/>
+          <c:showBubbleSize val="0"/>
+        </c:dLbls>
+        <c:gapWidth val="65"/>
+        <c:shape val="box"/>
+        <c:axId val="479570536"/>
+        <c:axId val="249225200"/>
+        <c:axId val="0"/>
+      </c:bar3DChart>
+      <c:catAx>
+        <c:axId val="479570536"/>
+        <c:scaling>
+          <c:orientation val="minMax"/>
+        </c:scaling>
+        <c:delete val="0"/>
+        <c:axPos val="b"/>
+        <c:numFmt formatCode="General" sourceLinked="1"/>
+        <c:majorTickMark val="none"/>
+        <c:minorTickMark val="none"/>
+        <c:tickLblPos val="nextTo"/>
+        <c:spPr>
+          <a:noFill/>
+          <a:ln w="19050" cap="flat" cmpd="sng" algn="ctr">
+            <a:solidFill>
+              <a:schemeClr val="dk1">
+                <a:lumMod val="75000"/>
+                <a:lumOff val="25000"/>
+              </a:schemeClr>
+            </a:solidFill>
+            <a:round/>
+          </a:ln>
+          <a:effectLst/>
+        </c:spPr>
+        <c:txPr>
+          <a:bodyPr rot="-60000000" spcFirstLastPara="1" vertOverflow="ellipsis" vert="horz" wrap="square" anchor="ctr" anchorCtr="1"/>
+          <a:lstStyle/>
+          <a:p>
+            <a:pPr>
+              <a:defRPr sz="1197" b="0" i="0" u="none" strike="noStrike" kern="1200" cap="all" baseline="0">
+                <a:solidFill>
+                  <a:schemeClr val="dk1">
+                    <a:lumMod val="75000"/>
+                    <a:lumOff val="25000"/>
+                  </a:schemeClr>
+                </a:solidFill>
+                <a:latin typeface="+mn-lt"/>
+                <a:ea typeface="+mn-ea"/>
+                <a:cs typeface="+mn-cs"/>
+              </a:defRPr>
+            </a:pPr>
+            <a:endParaRPr lang="en-US"/>
+          </a:p>
+        </c:txPr>
+        <c:crossAx val="249225200"/>
+        <c:crosses val="autoZero"/>
+        <c:auto val="1"/>
+        <c:lblAlgn val="ctr"/>
+        <c:lblOffset val="100"/>
+        <c:noMultiLvlLbl val="0"/>
+      </c:catAx>
+      <c:valAx>
+        <c:axId val="249225200"/>
+        <c:scaling>
+          <c:orientation val="minMax"/>
+        </c:scaling>
+        <c:delete val="1"/>
+        <c:axPos val="l"/>
+        <c:majorGridlines>
+          <c:spPr>
+            <a:ln w="9525" cap="flat" cmpd="sng" algn="ctr">
+              <a:solidFill>
+                <a:schemeClr val="dk1">
+                  <a:lumMod val="15000"/>
+                  <a:lumOff val="85000"/>
+                </a:schemeClr>
+              </a:solidFill>
+              <a:round/>
+            </a:ln>
+            <a:effectLst/>
+          </c:spPr>
+        </c:majorGridlines>
+        <c:numFmt formatCode="General" sourceLinked="1"/>
+        <c:majorTickMark val="none"/>
+        <c:minorTickMark val="none"/>
+        <c:tickLblPos val="nextTo"/>
+        <c:crossAx val="479570536"/>
+        <c:crosses val="autoZero"/>
+        <c:crossBetween val="between"/>
+      </c:valAx>
+      <c:spPr>
+        <a:noFill/>
+        <a:ln>
+          <a:noFill/>
+        </a:ln>
+        <a:effectLst/>
+      </c:spPr>
+    </c:plotArea>
+    <c:legend>
+      <c:legendPos val="b"/>
+      <c:layout/>
+      <c:overlay val="0"/>
+      <c:spPr>
+        <a:solidFill>
+          <a:schemeClr val="lt1">
+            <a:lumMod val="95000"/>
+            <a:alpha val="39000"/>
+          </a:schemeClr>
+        </a:solidFill>
+        <a:ln>
+          <a:noFill/>
+        </a:ln>
+        <a:effectLst/>
+      </c:spPr>
+      <c:txPr>
+        <a:bodyPr rot="0" spcFirstLastPara="1" vertOverflow="ellipsis" vert="horz" wrap="square" anchor="ctr" anchorCtr="1"/>
+        <a:lstStyle/>
+        <a:p>
+          <a:pPr>
+            <a:defRPr sz="1600" b="0" i="0" u="none" strike="noStrike" kern="1200" baseline="0">
+              <a:solidFill>
+                <a:schemeClr val="dk1">
+                  <a:lumMod val="75000"/>
+                  <a:lumOff val="25000"/>
+                </a:schemeClr>
+              </a:solidFill>
+              <a:latin typeface="+mn-lt"/>
+              <a:ea typeface="+mn-ea"/>
+              <a:cs typeface="+mn-cs"/>
+            </a:defRPr>
+          </a:pPr>
+          <a:endParaRPr lang="en-US"/>
+        </a:p>
+      </c:txPr>
+    </c:legend>
+    <c:plotVisOnly val="1"/>
+    <c:dispBlanksAs val="gap"/>
+    <c:showDLblsOverMax val="0"/>
+  </c:chart>
+  <c:spPr>
+    <a:gradFill flip="none" rotWithShape="1">
+      <a:gsLst>
+        <a:gs pos="0">
+          <a:schemeClr val="lt1"/>
+        </a:gs>
+        <a:gs pos="39000">
+          <a:schemeClr val="lt1"/>
+        </a:gs>
+        <a:gs pos="100000">
+          <a:schemeClr val="lt1">
+            <a:lumMod val="75000"/>
+          </a:schemeClr>
+        </a:gs>
+      </a:gsLst>
+      <a:path path="circle">
+        <a:fillToRect l="50000" t="-80000" r="50000" b="180000"/>
+      </a:path>
+      <a:tileRect/>
+    </a:gradFill>
+    <a:ln w="9525" cap="flat" cmpd="sng" algn="ctr">
+      <a:solidFill>
+        <a:schemeClr val="dk1">
+          <a:lumMod val="25000"/>
+          <a:lumOff val="75000"/>
+        </a:schemeClr>
+      </a:solidFill>
+      <a:round/>
+    </a:ln>
+    <a:effectLst/>
+  </c:spPr>
+  <c:txPr>
+    <a:bodyPr/>
+    <a:lstStyle/>
+    <a:p>
+      <a:pPr>
+        <a:defRPr/>
+      </a:pPr>
+      <a:endParaRPr lang="en-US"/>
+    </a:p>
+  </c:txPr>
+  <c:externalData r:id="rId3">
+    <c:autoUpdate val="0"/>
+  </c:externalData>
+</c:chartSpace>
+</file>
+
+<file path=ppt/charts/colors1.xml><?xml version="1.0" encoding="utf-8"?>
+<cs:colorStyle xmlns:cs="http://schemas.microsoft.com/office/drawing/2012/chartStyle" xmlns:a="http://schemas.openxmlformats.org/drawingml/2006/main" meth="cycle" id="10">
+  <a:schemeClr val="accent1"/>
+  <a:schemeClr val="accent2"/>
+  <a:schemeClr val="accent3"/>
+  <a:schemeClr val="accent4"/>
+  <a:schemeClr val="accent5"/>
+  <a:schemeClr val="accent6"/>
+  <cs:variation/>
+  <cs:variation>
+    <a:lumMod val="60000"/>
+  </cs:variation>
+  <cs:variation>
+    <a:lumMod val="80000"/>
+    <a:lumOff val="20000"/>
+  </cs:variation>
+  <cs:variation>
+    <a:lumMod val="80000"/>
+  </cs:variation>
+  <cs:variation>
+    <a:lumMod val="60000"/>
+    <a:lumOff val="40000"/>
+  </cs:variation>
+  <cs:variation>
+    <a:lumMod val="50000"/>
+  </cs:variation>
+  <cs:variation>
+    <a:lumMod val="70000"/>
+    <a:lumOff val="30000"/>
+  </cs:variation>
+  <cs:variation>
+    <a:lumMod val="70000"/>
+  </cs:variation>
+  <cs:variation>
+    <a:lumMod val="50000"/>
+    <a:lumOff val="50000"/>
+  </cs:variation>
+</cs:colorStyle>
+</file>
+
+<file path=ppt/charts/style1.xml><?xml version="1.0" encoding="utf-8"?>
+<cs:chartStyle xmlns:cs="http://schemas.microsoft.com/office/drawing/2012/chartStyle" xmlns:a="http://schemas.openxmlformats.org/drawingml/2006/main" id="288">
+  <cs:axisTitle>
+    <cs:lnRef idx="0"/>
+    <cs:fillRef idx="0"/>
+    <cs:effectRef idx="0"/>
+    <cs:fontRef idx="minor">
+      <a:schemeClr val="dk1">
+        <a:lumMod val="75000"/>
+        <a:lumOff val="25000"/>
+      </a:schemeClr>
+    </cs:fontRef>
+    <cs:defRPr sz="1197" b="1" kern="1200"/>
+  </cs:axisTitle>
+  <cs:categoryAxis>
+    <cs:lnRef idx="0"/>
+    <cs:fillRef idx="0"/>
+    <cs:effectRef idx="0"/>
+    <cs:fontRef idx="minor">
+      <a:schemeClr val="dk1">
+        <a:lumMod val="75000"/>
+        <a:lumOff val="25000"/>
+      </a:schemeClr>
+    </cs:fontRef>
+    <cs:spPr>
+      <a:ln w="19050" cap="flat" cmpd="sng" algn="ctr">
+        <a:solidFill>
+          <a:schemeClr val="dk1">
+            <a:lumMod val="75000"/>
+            <a:lumOff val="25000"/>
+          </a:schemeClr>
+        </a:solidFill>
+        <a:round/>
+      </a:ln>
+    </cs:spPr>
+    <cs:defRPr sz="1197" kern="1200" cap="all" baseline="0"/>
+  </cs:categoryAxis>
+  <cs:chartArea>
+    <cs:lnRef idx="0"/>
+    <cs:fillRef idx="0"/>
+    <cs:effectRef idx="0"/>
+    <cs:fontRef idx="minor">
+      <a:schemeClr val="dk1"/>
+    </cs:fontRef>
+    <cs:spPr>
+      <a:gradFill flip="none" rotWithShape="1">
+        <a:gsLst>
+          <a:gs pos="0">
+            <a:schemeClr val="lt1"/>
+          </a:gs>
+          <a:gs pos="39000">
+            <a:schemeClr val="lt1"/>
+          </a:gs>
+          <a:gs pos="100000">
+            <a:schemeClr val="lt1">
+              <a:lumMod val="75000"/>
+            </a:schemeClr>
+          </a:gs>
+        </a:gsLst>
+        <a:path path="circle">
+          <a:fillToRect l="50000" t="-80000" r="50000" b="180000"/>
+        </a:path>
+        <a:tileRect/>
+      </a:gradFill>
+      <a:ln w="9525" cap="flat" cmpd="sng" algn="ctr">
+        <a:solidFill>
+          <a:schemeClr val="dk1">
+            <a:lumMod val="25000"/>
+            <a:lumOff val="75000"/>
+          </a:schemeClr>
+        </a:solidFill>
+        <a:round/>
+      </a:ln>
+    </cs:spPr>
+    <cs:defRPr sz="1197" kern="1200"/>
+  </cs:chartArea>
+  <cs:dataLabel>
+    <cs:lnRef idx="0"/>
+    <cs:fillRef idx="0"/>
+    <cs:effectRef idx="0"/>
+    <cs:fontRef idx="minor">
+      <a:schemeClr val="dk1">
+        <a:lumMod val="75000"/>
+        <a:lumOff val="25000"/>
+      </a:schemeClr>
+    </cs:fontRef>
+    <cs:defRPr sz="1197" kern="1200"/>
+  </cs:dataLabel>
+  <cs:dataLabelCallout>
+    <cs:lnRef idx="0"/>
+    <cs:fillRef idx="0"/>
+    <cs:effectRef idx="0"/>
+    <cs:fontRef idx="minor">
+      <a:schemeClr val="lt1"/>
+    </cs:fontRef>
+    <cs:spPr>
+      <a:solidFill>
+        <a:schemeClr val="dk1">
+          <a:lumMod val="65000"/>
+          <a:lumOff val="35000"/>
+          <a:alpha val="75000"/>
+        </a:schemeClr>
+      </a:solidFill>
+    </cs:spPr>
+    <cs:defRPr sz="1197" b="1" kern="1200"/>
+    <cs:bodyPr rot="0" spcFirstLastPara="1" vertOverflow="clip" horzOverflow="clip" vert="horz" wrap="square" lIns="36576" tIns="18288" rIns="36576" bIns="18288" anchor="ctr" anchorCtr="1">
+      <a:spAutoFit/>
+    </cs:bodyPr>
+  </cs:dataLabelCallout>
+  <cs:dataPoint>
+    <cs:lnRef idx="0">
+      <cs:styleClr val="auto"/>
+    </cs:lnRef>
+    <cs:fillRef idx="0">
+      <cs:styleClr val="auto"/>
+    </cs:fillRef>
+    <cs:effectRef idx="0"/>
+    <cs:fontRef idx="minor">
+      <a:schemeClr val="dk1"/>
+    </cs:fontRef>
+    <cs:spPr>
+      <a:solidFill>
+        <a:schemeClr val="phClr">
+          <a:alpha val="85000"/>
+        </a:schemeClr>
+      </a:solidFill>
+      <a:ln w="9525" cap="flat" cmpd="sng" algn="ctr">
+        <a:solidFill>
+          <a:schemeClr val="phClr">
+            <a:lumMod val="75000"/>
+          </a:schemeClr>
+        </a:solidFill>
+        <a:round/>
+      </a:ln>
+    </cs:spPr>
+  </cs:dataPoint>
+  <cs:dataPoint3D>
+    <cs:lnRef idx="0">
+      <cs:styleClr val="auto"/>
+    </cs:lnRef>
+    <cs:fillRef idx="0">
+      <cs:styleClr val="auto"/>
+    </cs:fillRef>
+    <cs:effectRef idx="0">
+      <cs:styleClr val="auto"/>
+    </cs:effectRef>
+    <cs:fontRef idx="minor">
+      <a:schemeClr val="dk1"/>
+    </cs:fontRef>
+    <cs:spPr>
+      <a:solidFill>
+        <a:schemeClr val="phClr">
+          <a:alpha val="85000"/>
+        </a:schemeClr>
+      </a:solidFill>
+      <a:ln w="9525" cap="flat" cmpd="sng" algn="ctr">
+        <a:solidFill>
+          <a:schemeClr val="phClr">
+            <a:lumMod val="75000"/>
+          </a:schemeClr>
+        </a:solidFill>
+        <a:round/>
+      </a:ln>
+    </cs:spPr>
+  </cs:dataPoint3D>
+  <cs:dataPointLine>
+    <cs:lnRef idx="0">
+      <cs:styleClr val="auto"/>
+    </cs:lnRef>
+    <cs:fillRef idx="0"/>
+    <cs:effectRef idx="0"/>
+    <cs:fontRef idx="minor">
+      <a:schemeClr val="dk1"/>
+    </cs:fontRef>
+    <cs:spPr>
+      <a:ln w="31750" cap="rnd">
+        <a:solidFill>
+          <a:schemeClr val="phClr">
+            <a:alpha val="85000"/>
+          </a:schemeClr>
+        </a:solidFill>
+        <a:round/>
+      </a:ln>
+    </cs:spPr>
+  </cs:dataPointLine>
+  <cs:dataPointMarker>
+    <cs:lnRef idx="0"/>
+    <cs:fillRef idx="0">
+      <cs:styleClr val="auto"/>
+    </cs:fillRef>
+    <cs:effectRef idx="0"/>
+    <cs:fontRef idx="minor">
+      <a:schemeClr val="dk1"/>
+    </cs:fontRef>
+    <cs:spPr>
+      <a:solidFill>
+        <a:schemeClr val="phClr">
+          <a:alpha val="85000"/>
+        </a:schemeClr>
+      </a:solidFill>
+    </cs:spPr>
+  </cs:dataPointMarker>
+  <cs:dataPointMarkerLayout symbol="circle" size="6"/>
+  <cs:dataPointWireframe>
+    <cs:lnRef idx="0">
+      <cs:styleClr val="auto"/>
+    </cs:lnRef>
+    <cs:fillRef idx="0"/>
+    <cs:effectRef idx="0"/>
+    <cs:fontRef idx="minor">
+      <a:schemeClr val="dk1"/>
+    </cs:fontRef>
+    <cs:spPr>
+      <a:ln w="9525" cap="rnd">
+        <a:solidFill>
+          <a:schemeClr val="phClr"/>
+        </a:solidFill>
+        <a:round/>
+      </a:ln>
+    </cs:spPr>
+  </cs:dataPointWireframe>
+  <cs:dataTable>
+    <cs:lnRef idx="0"/>
+    <cs:fillRef idx="0"/>
+    <cs:effectRef idx="0"/>
+    <cs:fontRef idx="minor">
+      <a:schemeClr val="dk1">
+        <a:lumMod val="75000"/>
+        <a:lumOff val="25000"/>
+      </a:schemeClr>
+    </cs:fontRef>
+    <cs:spPr>
+      <a:ln w="9525">
+        <a:solidFill>
+          <a:schemeClr val="dk1">
+            <a:lumMod val="35000"/>
+            <a:lumOff val="65000"/>
+          </a:schemeClr>
+        </a:solidFill>
+      </a:ln>
+    </cs:spPr>
+    <cs:defRPr sz="1197" kern="1200"/>
+  </cs:dataTable>
+  <cs:downBar>
+    <cs:lnRef idx="0"/>
+    <cs:fillRef idx="0"/>
+    <cs:effectRef idx="0"/>
+    <cs:fontRef idx="minor">
+      <a:schemeClr val="dk1"/>
+    </cs:fontRef>
+    <cs:spPr>
+      <a:solidFill>
+        <a:schemeClr val="dk1">
+          <a:lumMod val="50000"/>
+          <a:lumOff val="50000"/>
+        </a:schemeClr>
+      </a:solidFill>
+      <a:ln w="9525">
+        <a:solidFill>
+          <a:schemeClr val="dk1">
+            <a:lumMod val="65000"/>
+            <a:lumOff val="35000"/>
+          </a:schemeClr>
+        </a:solidFill>
+      </a:ln>
+    </cs:spPr>
+  </cs:downBar>
+  <cs:dropLine>
+    <cs:lnRef idx="0"/>
+    <cs:fillRef idx="0"/>
+    <cs:effectRef idx="0"/>
+    <cs:fontRef idx="minor">
+      <a:schemeClr val="dk1"/>
+    </cs:fontRef>
+    <cs:spPr>
+      <a:ln w="9525">
+        <a:solidFill>
+          <a:schemeClr val="dk1">
+            <a:lumMod val="35000"/>
+            <a:lumOff val="65000"/>
+          </a:schemeClr>
+        </a:solidFill>
+        <a:prstDash val="dash"/>
+      </a:ln>
+    </cs:spPr>
+  </cs:dropLine>
+  <cs:errorBar>
+    <cs:lnRef idx="0"/>
+    <cs:fillRef idx="0"/>
+    <cs:effectRef idx="0"/>
+    <cs:fontRef idx="minor">
+      <a:schemeClr val="dk1"/>
+    </cs:fontRef>
+    <cs:spPr>
+      <a:ln w="9525">
+        <a:solidFill>
+          <a:schemeClr val="dk1">
+            <a:lumMod val="65000"/>
+            <a:lumOff val="35000"/>
+          </a:schemeClr>
+        </a:solidFill>
+        <a:round/>
+      </a:ln>
+    </cs:spPr>
+  </cs:errorBar>
+  <cs:floor>
+    <cs:lnRef idx="0"/>
+    <cs:fillRef idx="0"/>
+    <cs:effectRef idx="0"/>
+    <cs:fontRef idx="minor">
+      <a:schemeClr val="dk1"/>
+    </cs:fontRef>
+    <cs:spPr>
+      <a:solidFill>
+        <a:schemeClr val="lt1">
+          <a:lumMod val="95000"/>
+        </a:schemeClr>
+      </a:solidFill>
+      <a:sp3d/>
+    </cs:spPr>
+  </cs:floor>
+  <cs:gridlineMajor>
+    <cs:lnRef idx="0"/>
+    <cs:fillRef idx="0"/>
+    <cs:effectRef idx="0"/>
+    <cs:fontRef idx="minor">
+      <a:schemeClr val="dk1"/>
+    </cs:fontRef>
+    <cs:spPr>
+      <a:ln w="9525" cap="flat" cmpd="sng" algn="ctr">
+        <a:solidFill>
+          <a:schemeClr val="dk1">
+            <a:lumMod val="15000"/>
+            <a:lumOff val="85000"/>
+          </a:schemeClr>
+        </a:solidFill>
+        <a:round/>
+      </a:ln>
+    </cs:spPr>
+  </cs:gridlineMajor>
+  <cs:gridlineMinor>
+    <cs:lnRef idx="0"/>
+    <cs:fillRef idx="0"/>
+    <cs:effectRef idx="0"/>
+    <cs:fontRef idx="minor">
+      <a:schemeClr val="dk1"/>
+    </cs:fontRef>
+    <cs:spPr>
+      <a:ln w="9525" cap="flat" cmpd="sng" algn="ctr">
+        <a:solidFill>
+          <a:schemeClr val="dk1">
+            <a:lumMod val="5000"/>
+            <a:lumOff val="95000"/>
+          </a:schemeClr>
+        </a:solidFill>
+        <a:round/>
+      </a:ln>
+    </cs:spPr>
+  </cs:gridlineMinor>
+  <cs:hiLoLine>
+    <cs:lnRef idx="0"/>
+    <cs:fillRef idx="0"/>
+    <cs:effectRef idx="0"/>
+    <cs:fontRef idx="minor">
+      <a:schemeClr val="dk1"/>
+    </cs:fontRef>
+    <cs:spPr>
+      <a:ln w="9525">
+        <a:solidFill>
+          <a:schemeClr val="dk1">
+            <a:lumMod val="35000"/>
+            <a:lumOff val="65000"/>
+          </a:schemeClr>
+        </a:solidFill>
+        <a:prstDash val="dash"/>
+      </a:ln>
+    </cs:spPr>
+  </cs:hiLoLine>
+  <cs:leaderLine>
+    <cs:lnRef idx="0"/>
+    <cs:fillRef idx="0"/>
+    <cs:effectRef idx="0"/>
+    <cs:fontRef idx="minor">
+      <a:schemeClr val="dk1"/>
+    </cs:fontRef>
+    <cs:spPr>
+      <a:ln w="9525">
+        <a:solidFill>
+          <a:schemeClr val="dk1">
+            <a:lumMod val="50000"/>
+            <a:lumOff val="50000"/>
+          </a:schemeClr>
+        </a:solidFill>
+      </a:ln>
+    </cs:spPr>
+  </cs:leaderLine>
+  <cs:legend>
+    <cs:lnRef idx="0"/>
+    <cs:fillRef idx="0"/>
+    <cs:effectRef idx="0"/>
+    <cs:fontRef idx="minor">
+      <a:schemeClr val="dk1">
+        <a:lumMod val="75000"/>
+        <a:lumOff val="25000"/>
+      </a:schemeClr>
+    </cs:fontRef>
+    <cs:spPr>
+      <a:solidFill>
+        <a:schemeClr val="lt1">
+          <a:lumMod val="95000"/>
+          <a:alpha val="39000"/>
+        </a:schemeClr>
+      </a:solidFill>
+    </cs:spPr>
+    <cs:defRPr sz="1197" kern="1200"/>
+  </cs:legend>
+  <cs:plotArea>
+    <cs:lnRef idx="0"/>
+    <cs:fillRef idx="0"/>
+    <cs:effectRef idx="0"/>
+    <cs:fontRef idx="minor">
+      <a:schemeClr val="dk1"/>
+    </cs:fontRef>
+  </cs:plotArea>
+  <cs:plotArea3D>
+    <cs:lnRef idx="0"/>
+    <cs:fillRef idx="0"/>
+    <cs:effectRef idx="0"/>
+    <cs:fontRef idx="minor">
+      <a:schemeClr val="dk1"/>
+    </cs:fontRef>
+  </cs:plotArea3D>
+  <cs:seriesAxis>
+    <cs:lnRef idx="0"/>
+    <cs:fillRef idx="0"/>
+    <cs:effectRef idx="0"/>
+    <cs:fontRef idx="minor">
+      <a:schemeClr val="dk1">
+        <a:lumMod val="75000"/>
+        <a:lumOff val="25000"/>
+      </a:schemeClr>
+    </cs:fontRef>
+    <cs:spPr/>
+    <cs:defRPr sz="1197" kern="1200"/>
+  </cs:seriesAxis>
+  <cs:seriesLine>
+    <cs:lnRef idx="0"/>
+    <cs:fillRef idx="0"/>
+    <cs:effectRef idx="0"/>
+    <cs:fontRef idx="minor">
+      <a:schemeClr val="dk1"/>
+    </cs:fontRef>
+    <cs:spPr>
+      <a:ln w="9525">
+        <a:solidFill>
+          <a:schemeClr val="dk1">
+            <a:lumMod val="50000"/>
+            <a:lumOff val="50000"/>
+          </a:schemeClr>
+        </a:solidFill>
+        <a:round/>
+      </a:ln>
+    </cs:spPr>
+  </cs:seriesLine>
+  <cs:title>
+    <cs:lnRef idx="0"/>
+    <cs:fillRef idx="0"/>
+    <cs:effectRef idx="0"/>
+    <cs:fontRef idx="minor">
+      <a:schemeClr val="dk1">
+        <a:lumMod val="75000"/>
+        <a:lumOff val="25000"/>
+      </a:schemeClr>
+    </cs:fontRef>
+    <cs:defRPr sz="2200" b="1" kern="1200" baseline="0"/>
+  </cs:title>
+  <cs:trendline>
+    <cs:lnRef idx="0">
+      <cs:styleClr val="auto"/>
+    </cs:lnRef>
+    <cs:fillRef idx="0"/>
+    <cs:effectRef idx="0"/>
+    <cs:fontRef idx="minor">
+      <a:schemeClr val="dk1"/>
+    </cs:fontRef>
+    <cs:spPr>
+      <a:ln w="19050" cap="rnd">
+        <a:solidFill>
+          <a:schemeClr val="phClr"/>
+        </a:solidFill>
+      </a:ln>
+    </cs:spPr>
+  </cs:trendline>
+  <cs:trendlineLabel>
+    <cs:lnRef idx="0"/>
+    <cs:fillRef idx="0"/>
+    <cs:effectRef idx="0"/>
+    <cs:fontRef idx="minor">
+      <a:schemeClr val="dk1">
+        <a:lumMod val="75000"/>
+        <a:lumOff val="25000"/>
+      </a:schemeClr>
+    </cs:fontRef>
+    <cs:defRPr sz="1197" kern="1200"/>
+  </cs:trendlineLabel>
+  <cs:upBar>
+    <cs:lnRef idx="0"/>
+    <cs:fillRef idx="0"/>
+    <cs:effectRef idx="0"/>
+    <cs:fontRef idx="minor">
+      <a:schemeClr val="dk1"/>
+    </cs:fontRef>
+    <cs:spPr>
+      <a:solidFill>
+        <a:schemeClr val="lt1"/>
+      </a:solidFill>
+      <a:ln w="9525">
+        <a:solidFill>
+          <a:schemeClr val="dk1">
+            <a:lumMod val="65000"/>
+            <a:lumOff val="35000"/>
+          </a:schemeClr>
+        </a:solidFill>
+      </a:ln>
+    </cs:spPr>
+  </cs:upBar>
+  <cs:valueAxis>
+    <cs:lnRef idx="0"/>
+    <cs:fillRef idx="0"/>
+    <cs:effectRef idx="0"/>
+    <cs:fontRef idx="minor">
+      <a:schemeClr val="dk1">
+        <a:lumMod val="75000"/>
+        <a:lumOff val="25000"/>
+      </a:schemeClr>
+    </cs:fontRef>
+    <cs:spPr>
+      <a:ln>
+        <a:noFill/>
+      </a:ln>
+    </cs:spPr>
+    <cs:defRPr sz="1197" kern="1200"/>
+  </cs:valueAxis>
+  <cs:wall>
+    <cs:lnRef idx="0"/>
+    <cs:fillRef idx="0"/>
+    <cs:effectRef idx="0"/>
+    <cs:fontRef idx="minor">
+      <a:schemeClr val="dk1"/>
+    </cs:fontRef>
+  </cs:wall>
+</cs:chartStyle>
 </file>
 
 <file path=ppt/slideLayouts/slideLayout1.xml><?xml version="1.0" encoding="utf-8"?>
@@ -3210,6 +4430,13 @@
   <p:clrMapOvr>
     <a:masterClrMapping/>
   </p:clrMapOvr>
+  <p:timing>
+    <p:tnLst>
+      <p:par>
+        <p:cTn id="1" dur="indefinite" restart="never" nodeType="tmRoot"/>
+      </p:par>
+    </p:tnLst>
+  </p:timing>
 </p:sld>
 </file>
 
@@ -3247,7 +4474,7 @@
           <a:p>
             <a:r>
               <a:rPr lang="en-US" dirty="0" smtClean="0"/>
-              <a:t>Backup</a:t>
+              <a:t>Implementation Strategy</a:t>
             </a:r>
             <a:endParaRPr lang="en-US" dirty="0"/>
           </a:p>
@@ -3256,7 +4483,7 @@
     </p:spTree>
     <p:extLst>
       <p:ext uri="{BB962C8B-B14F-4D97-AF65-F5344CB8AC3E}">
-        <p14:creationId xmlns:p14="http://schemas.microsoft.com/office/powerpoint/2010/main" val="926648199"/>
+        <p14:creationId xmlns:p14="http://schemas.microsoft.com/office/powerpoint/2010/main" val="316567135"/>
       </p:ext>
     </p:extLst>
   </p:cSld>
@@ -3298,6 +4525,656 @@
           <a:bodyPr/>
           <a:lstStyle/>
           <a:p>
+            <a:endParaRPr lang="en-US"/>
+          </a:p>
+        </p:txBody>
+      </p:sp>
+      <p:pic>
+        <p:nvPicPr>
+          <p:cNvPr id="4" name="Picture 3"/>
+          <p:cNvPicPr>
+            <a:picLocks noChangeAspect="1"/>
+          </p:cNvPicPr>
+          <p:nvPr/>
+        </p:nvPicPr>
+        <p:blipFill>
+          <a:blip r:embed="rId2" cstate="print">
+            <a:extLst>
+              <a:ext uri="{28A0092B-C50C-407E-A947-70E740481C1C}">
+                <a14:useLocalDpi xmlns:a14="http://schemas.microsoft.com/office/drawing/2010/main" val="0"/>
+              </a:ext>
+            </a:extLst>
+          </a:blip>
+          <a:stretch>
+            <a:fillRect/>
+          </a:stretch>
+        </p:blipFill>
+        <p:spPr>
+          <a:xfrm>
+            <a:off x="0" y="0"/>
+            <a:ext cx="12192000" cy="6858000"/>
+          </a:xfrm>
+          <a:prstGeom prst="rect">
+            <a:avLst/>
+          </a:prstGeom>
+        </p:spPr>
+      </p:pic>
+      <p:sp>
+        <p:nvSpPr>
+          <p:cNvPr id="6" name="TextBox 5"/>
+          <p:cNvSpPr txBox="1"/>
+          <p:nvPr/>
+        </p:nvSpPr>
+        <p:spPr>
+          <a:xfrm>
+            <a:off x="4411715" y="2890262"/>
+            <a:ext cx="3893288" cy="2554545"/>
+          </a:xfrm>
+          <a:prstGeom prst="rect">
+            <a:avLst/>
+          </a:prstGeom>
+          <a:noFill/>
+        </p:spPr>
+        <p:txBody>
+          <a:bodyPr wrap="square" rtlCol="0">
+            <a:spAutoFit/>
+          </a:bodyPr>
+          <a:lstStyle/>
+          <a:p>
+            <a:r>
+              <a:rPr lang="en-US" sz="3200" dirty="0" smtClean="0">
+                <a:ln w="0"/>
+                <a:solidFill>
+                  <a:srgbClr val="7030A0"/>
+                </a:solidFill>
+                <a:effectLst>
+                  <a:outerShdw blurRad="38100" dist="19050" dir="2700000" algn="tl" rotWithShape="0">
+                    <a:schemeClr val="dk1">
+                      <a:alpha val="40000"/>
+                    </a:schemeClr>
+                  </a:outerShdw>
+                </a:effectLst>
+              </a:rPr>
+              <a:t>Hire Marketing Intern</a:t>
+            </a:r>
+          </a:p>
+          <a:p>
+            <a:pPr marL="457200" indent="-457200">
+              <a:buFont typeface="Arial" panose="020B0604020202020204" pitchFamily="34" charset="0"/>
+              <a:buChar char="•"/>
+            </a:pPr>
+            <a:endParaRPr lang="en-US" sz="3200" dirty="0" smtClean="0">
+              <a:ln w="0"/>
+              <a:solidFill>
+                <a:srgbClr val="7030A0"/>
+              </a:solidFill>
+              <a:effectLst>
+                <a:outerShdw blurRad="38100" dist="19050" dir="2700000" algn="tl" rotWithShape="0">
+                  <a:schemeClr val="dk1">
+                    <a:alpha val="40000"/>
+                  </a:schemeClr>
+                </a:outerShdw>
+              </a:effectLst>
+            </a:endParaRPr>
+          </a:p>
+          <a:p>
+            <a:endParaRPr lang="en-US" sz="3200" dirty="0" smtClean="0">
+              <a:ln w="0"/>
+              <a:solidFill>
+                <a:srgbClr val="7030A0"/>
+              </a:solidFill>
+              <a:effectLst>
+                <a:outerShdw blurRad="38100" dist="19050" dir="2700000" algn="tl" rotWithShape="0">
+                  <a:schemeClr val="dk1">
+                    <a:alpha val="40000"/>
+                  </a:schemeClr>
+                </a:outerShdw>
+              </a:effectLst>
+            </a:endParaRPr>
+          </a:p>
+          <a:p>
+            <a:pPr marL="457200" indent="-457200">
+              <a:buFont typeface="Arial" panose="020B0604020202020204" pitchFamily="34" charset="0"/>
+              <a:buChar char="•"/>
+            </a:pPr>
+            <a:endParaRPr lang="en-US" sz="3200" dirty="0" smtClean="0">
+              <a:ln w="0"/>
+              <a:solidFill>
+                <a:srgbClr val="7030A0"/>
+              </a:solidFill>
+              <a:effectLst>
+                <a:outerShdw blurRad="38100" dist="19050" dir="2700000" algn="tl" rotWithShape="0">
+                  <a:schemeClr val="dk1">
+                    <a:alpha val="40000"/>
+                  </a:schemeClr>
+                </a:outerShdw>
+              </a:effectLst>
+            </a:endParaRPr>
+          </a:p>
+          <a:p>
+            <a:endParaRPr lang="en-US" sz="3200" dirty="0">
+              <a:ln w="0"/>
+              <a:solidFill>
+                <a:srgbClr val="7030A0"/>
+              </a:solidFill>
+              <a:effectLst>
+                <a:outerShdw blurRad="38100" dist="19050" dir="2700000" algn="tl" rotWithShape="0">
+                  <a:schemeClr val="dk1">
+                    <a:alpha val="40000"/>
+                  </a:schemeClr>
+                </a:outerShdw>
+              </a:effectLst>
+            </a:endParaRPr>
+          </a:p>
+        </p:txBody>
+      </p:sp>
+    </p:spTree>
+    <p:extLst>
+      <p:ext uri="{BB962C8B-B14F-4D97-AF65-F5344CB8AC3E}">
+        <p14:creationId xmlns:p14="http://schemas.microsoft.com/office/powerpoint/2010/main" val="3956867811"/>
+      </p:ext>
+    </p:extLst>
+  </p:cSld>
+  <p:clrMapOvr>
+    <a:masterClrMapping/>
+  </p:clrMapOvr>
+  <p:timing>
+    <p:tnLst>
+      <p:par>
+        <p:cTn id="1" dur="indefinite" restart="never" nodeType="tmRoot"/>
+      </p:par>
+    </p:tnLst>
+  </p:timing>
+</p:sld>
+</file>
+
+<file path=ppt/slides/slide12.xml><?xml version="1.0" encoding="utf-8"?>
+<p:sld xmlns:a="http://schemas.openxmlformats.org/drawingml/2006/main" xmlns:r="http://schemas.openxmlformats.org/officeDocument/2006/relationships" xmlns:p="http://schemas.openxmlformats.org/presentationml/2006/main">
+  <p:cSld>
+    <p:spTree>
+      <p:nvGrpSpPr>
+        <p:cNvPr id="1" name=""/>
+        <p:cNvGrpSpPr/>
+        <p:nvPr/>
+      </p:nvGrpSpPr>
+      <p:grpSpPr>
+        <a:xfrm>
+          <a:off x="0" y="0"/>
+          <a:ext cx="0" cy="0"/>
+          <a:chOff x="0" y="0"/>
+          <a:chExt cx="0" cy="0"/>
+        </a:xfrm>
+      </p:grpSpPr>
+      <p:sp>
+        <p:nvSpPr>
+          <p:cNvPr id="2" name="Title 1"/>
+          <p:cNvSpPr>
+            <a:spLocks noGrp="1"/>
+          </p:cNvSpPr>
+          <p:nvPr>
+            <p:ph type="title"/>
+          </p:nvPr>
+        </p:nvSpPr>
+        <p:spPr/>
+        <p:txBody>
+          <a:bodyPr/>
+          <a:lstStyle/>
+          <a:p>
+            <a:r>
+              <a:rPr lang="en-US" dirty="0" smtClean="0"/>
+              <a:t>Why hire a marketing intern?</a:t>
+            </a:r>
+            <a:endParaRPr lang="en-US" dirty="0"/>
+          </a:p>
+        </p:txBody>
+      </p:sp>
+      <p:sp>
+        <p:nvSpPr>
+          <p:cNvPr id="3" name="Content Placeholder 2"/>
+          <p:cNvSpPr>
+            <a:spLocks noGrp="1"/>
+          </p:cNvSpPr>
+          <p:nvPr>
+            <p:ph idx="1"/>
+          </p:nvPr>
+        </p:nvSpPr>
+        <p:spPr/>
+        <p:txBody>
+          <a:bodyPr/>
+          <a:lstStyle/>
+          <a:p>
+            <a:r>
+              <a:rPr lang="en-US" dirty="0"/>
+              <a:t>Manage and evolve the recommended marketing strategy</a:t>
+            </a:r>
+          </a:p>
+          <a:p>
+            <a:r>
+              <a:rPr lang="en-US" dirty="0" smtClean="0"/>
+              <a:t>Focused communication and social media connection to community</a:t>
+            </a:r>
+          </a:p>
+          <a:p>
+            <a:r>
+              <a:rPr lang="en-US" dirty="0" smtClean="0"/>
+              <a:t>Increase traffic to Thrift store, awareness of programs and volunteer opportunities</a:t>
+            </a:r>
+          </a:p>
+          <a:p>
+            <a:r>
+              <a:rPr lang="en-US" dirty="0" smtClean="0"/>
+              <a:t>Expand customer base</a:t>
+            </a:r>
+          </a:p>
+          <a:p>
+            <a:r>
+              <a:rPr lang="en-US" dirty="0" smtClean="0"/>
+              <a:t>Embrace new technologies available to reach additional customers</a:t>
+            </a:r>
+          </a:p>
+          <a:p>
+            <a:r>
+              <a:rPr lang="en-US" dirty="0" smtClean="0"/>
+              <a:t>Offer opportunities for the student to apply learnings and benefit the community</a:t>
+            </a:r>
+          </a:p>
+          <a:p>
+            <a:endParaRPr lang="en-US" dirty="0"/>
+          </a:p>
+        </p:txBody>
+      </p:sp>
+    </p:spTree>
+    <p:extLst>
+      <p:ext uri="{BB962C8B-B14F-4D97-AF65-F5344CB8AC3E}">
+        <p14:creationId xmlns:p14="http://schemas.microsoft.com/office/powerpoint/2010/main" val="2625247321"/>
+      </p:ext>
+    </p:extLst>
+  </p:cSld>
+  <p:clrMapOvr>
+    <a:masterClrMapping/>
+  </p:clrMapOvr>
+</p:sld>
+</file>
+
+<file path=ppt/slides/slide13.xml><?xml version="1.0" encoding="utf-8"?>
+<p:sld xmlns:a="http://schemas.openxmlformats.org/drawingml/2006/main" xmlns:r="http://schemas.openxmlformats.org/officeDocument/2006/relationships" xmlns:p="http://schemas.openxmlformats.org/presentationml/2006/main">
+  <p:cSld>
+    <p:spTree>
+      <p:nvGrpSpPr>
+        <p:cNvPr id="1" name=""/>
+        <p:cNvGrpSpPr/>
+        <p:nvPr/>
+      </p:nvGrpSpPr>
+      <p:grpSpPr>
+        <a:xfrm>
+          <a:off x="0" y="0"/>
+          <a:ext cx="0" cy="0"/>
+          <a:chOff x="0" y="0"/>
+          <a:chExt cx="0" cy="0"/>
+        </a:xfrm>
+      </p:grpSpPr>
+      <p:graphicFrame>
+        <p:nvGraphicFramePr>
+          <p:cNvPr id="11" name="Chart 10"/>
+          <p:cNvGraphicFramePr/>
+          <p:nvPr>
+            <p:extLst>
+              <p:ext uri="{D42A27DB-BD31-4B8C-83A1-F6EECF244321}">
+                <p14:modId xmlns:p14="http://schemas.microsoft.com/office/powerpoint/2010/main" val="2289565235"/>
+              </p:ext>
+            </p:extLst>
+          </p:nvPr>
+        </p:nvGraphicFramePr>
+        <p:xfrm>
+          <a:off x="0" y="0"/>
+          <a:ext cx="12192000" cy="6858000"/>
+        </p:xfrm>
+        <a:graphic>
+          <a:graphicData uri="http://schemas.openxmlformats.org/drawingml/2006/chart">
+            <c:chart xmlns:c="http://schemas.openxmlformats.org/drawingml/2006/chart" xmlns:r="http://schemas.openxmlformats.org/officeDocument/2006/relationships" r:id="rId2"/>
+          </a:graphicData>
+        </a:graphic>
+      </p:graphicFrame>
+      <p:sp>
+        <p:nvSpPr>
+          <p:cNvPr id="7" name="Title 1"/>
+          <p:cNvSpPr>
+            <a:spLocks noGrp="1"/>
+          </p:cNvSpPr>
+          <p:nvPr>
+            <p:ph type="title"/>
+          </p:nvPr>
+        </p:nvSpPr>
+        <p:spPr>
+          <a:xfrm>
+            <a:off x="135556" y="56884"/>
+            <a:ext cx="10515600" cy="893189"/>
+          </a:xfrm>
+        </p:spPr>
+        <p:txBody>
+          <a:bodyPr/>
+          <a:lstStyle/>
+          <a:p>
+            <a:r>
+              <a:rPr lang="en-US" b="1" dirty="0" smtClean="0"/>
+              <a:t>Marketing Intern Estimated ROI – Year 1</a:t>
+            </a:r>
+            <a:endParaRPr lang="en-US" b="1" dirty="0"/>
+          </a:p>
+        </p:txBody>
+      </p:sp>
+      <p:sp>
+        <p:nvSpPr>
+          <p:cNvPr id="8" name="TextBox 7"/>
+          <p:cNvSpPr txBox="1"/>
+          <p:nvPr/>
+        </p:nvSpPr>
+        <p:spPr>
+          <a:xfrm>
+            <a:off x="2890787" y="929203"/>
+            <a:ext cx="3205213" cy="1323439"/>
+          </a:xfrm>
+          <a:prstGeom prst="rect">
+            <a:avLst/>
+          </a:prstGeom>
+          <a:noFill/>
+        </p:spPr>
+        <p:txBody>
+          <a:bodyPr wrap="square" rtlCol="0">
+            <a:spAutoFit/>
+          </a:bodyPr>
+          <a:lstStyle/>
+          <a:p>
+            <a:r>
+              <a:rPr lang="en-US" sz="2000" dirty="0" smtClean="0">
+                <a:ln w="0"/>
+                <a:effectLst>
+                  <a:outerShdw blurRad="38100" dist="19050" dir="2700000" algn="tl" rotWithShape="0">
+                    <a:schemeClr val="dk1">
+                      <a:alpha val="40000"/>
+                    </a:schemeClr>
+                  </a:outerShdw>
+                </a:effectLst>
+              </a:rPr>
+              <a:t>Est. Cost:  $10K/year</a:t>
+            </a:r>
+          </a:p>
+          <a:p>
+            <a:endParaRPr lang="en-US" sz="2000" dirty="0" smtClean="0">
+              <a:ln w="0"/>
+              <a:effectLst>
+                <a:outerShdw blurRad="38100" dist="19050" dir="2700000" algn="tl" rotWithShape="0">
+                  <a:schemeClr val="dk1">
+                    <a:alpha val="40000"/>
+                  </a:schemeClr>
+                </a:outerShdw>
+              </a:effectLst>
+            </a:endParaRPr>
+          </a:p>
+          <a:p>
+            <a:pPr marL="457200" indent="-457200">
+              <a:buFont typeface="Arial" panose="020B0604020202020204" pitchFamily="34" charset="0"/>
+              <a:buChar char="•"/>
+            </a:pPr>
+            <a:endParaRPr lang="en-US" sz="2000" dirty="0" smtClean="0">
+              <a:ln w="0"/>
+              <a:effectLst>
+                <a:outerShdw blurRad="38100" dist="19050" dir="2700000" algn="tl" rotWithShape="0">
+                  <a:schemeClr val="dk1">
+                    <a:alpha val="40000"/>
+                  </a:schemeClr>
+                </a:outerShdw>
+              </a:effectLst>
+            </a:endParaRPr>
+          </a:p>
+          <a:p>
+            <a:endParaRPr lang="en-US" sz="2000" dirty="0">
+              <a:ln w="0"/>
+              <a:effectLst>
+                <a:outerShdw blurRad="38100" dist="19050" dir="2700000" algn="tl" rotWithShape="0">
+                  <a:schemeClr val="dk1">
+                    <a:alpha val="40000"/>
+                  </a:schemeClr>
+                </a:outerShdw>
+              </a:effectLst>
+            </a:endParaRPr>
+          </a:p>
+        </p:txBody>
+      </p:sp>
+      <p:sp>
+        <p:nvSpPr>
+          <p:cNvPr id="12" name="Rectangle 11"/>
+          <p:cNvSpPr/>
+          <p:nvPr/>
+        </p:nvSpPr>
+        <p:spPr>
+          <a:xfrm>
+            <a:off x="5547677" y="929203"/>
+            <a:ext cx="3849708" cy="400110"/>
+          </a:xfrm>
+          <a:prstGeom prst="rect">
+            <a:avLst/>
+          </a:prstGeom>
+        </p:spPr>
+        <p:txBody>
+          <a:bodyPr wrap="none">
+            <a:spAutoFit/>
+          </a:bodyPr>
+          <a:lstStyle/>
+          <a:p>
+            <a:r>
+              <a:rPr lang="en-US" sz="2000" dirty="0">
+                <a:ln w="0"/>
+                <a:effectLst>
+                  <a:outerShdw blurRad="38100" dist="19050" dir="2700000" algn="tl" rotWithShape="0">
+                    <a:schemeClr val="dk1">
+                      <a:alpha val="40000"/>
+                    </a:schemeClr>
+                  </a:outerShdw>
+                </a:effectLst>
+              </a:rPr>
+              <a:t>Est. Sales Growth: $60K/year (20%)</a:t>
+            </a:r>
+          </a:p>
+        </p:txBody>
+      </p:sp>
+    </p:spTree>
+    <p:extLst>
+      <p:ext uri="{BB962C8B-B14F-4D97-AF65-F5344CB8AC3E}">
+        <p14:creationId xmlns:p14="http://schemas.microsoft.com/office/powerpoint/2010/main" val="164017759"/>
+      </p:ext>
+    </p:extLst>
+  </p:cSld>
+  <p:clrMapOvr>
+    <a:masterClrMapping/>
+  </p:clrMapOvr>
+  <p:timing>
+    <p:tnLst>
+      <p:par>
+        <p:cTn id="1" dur="indefinite" restart="never" nodeType="tmRoot"/>
+      </p:par>
+    </p:tnLst>
+  </p:timing>
+</p:sld>
+</file>
+
+<file path=ppt/slides/slide14.xml><?xml version="1.0" encoding="utf-8"?>
+<p:sld xmlns:a="http://schemas.openxmlformats.org/drawingml/2006/main" xmlns:r="http://schemas.openxmlformats.org/officeDocument/2006/relationships" xmlns:p="http://schemas.openxmlformats.org/presentationml/2006/main">
+  <p:cSld>
+    <p:spTree>
+      <p:nvGrpSpPr>
+        <p:cNvPr id="1" name=""/>
+        <p:cNvGrpSpPr/>
+        <p:nvPr/>
+      </p:nvGrpSpPr>
+      <p:grpSpPr>
+        <a:xfrm>
+          <a:off x="0" y="0"/>
+          <a:ext cx="0" cy="0"/>
+          <a:chOff x="0" y="0"/>
+          <a:chExt cx="0" cy="0"/>
+        </a:xfrm>
+      </p:grpSpPr>
+      <p:sp>
+        <p:nvSpPr>
+          <p:cNvPr id="2" name="Title 1"/>
+          <p:cNvSpPr>
+            <a:spLocks noGrp="1"/>
+          </p:cNvSpPr>
+          <p:nvPr>
+            <p:ph type="title"/>
+          </p:nvPr>
+        </p:nvSpPr>
+        <p:spPr>
+          <a:xfrm>
+            <a:off x="328062" y="182245"/>
+            <a:ext cx="10515600" cy="1325563"/>
+          </a:xfrm>
+        </p:spPr>
+        <p:txBody>
+          <a:bodyPr/>
+          <a:lstStyle/>
+          <a:p>
+            <a:r>
+              <a:rPr lang="en-US" dirty="0" smtClean="0"/>
+              <a:t>Intern Recruitment Strategy</a:t>
+            </a:r>
+            <a:endParaRPr lang="en-US" dirty="0"/>
+          </a:p>
+        </p:txBody>
+      </p:sp>
+      <p:sp>
+        <p:nvSpPr>
+          <p:cNvPr id="3" name="Content Placeholder 2"/>
+          <p:cNvSpPr>
+            <a:spLocks noGrp="1"/>
+          </p:cNvSpPr>
+          <p:nvPr>
+            <p:ph idx="1"/>
+          </p:nvPr>
+        </p:nvSpPr>
+        <p:spPr/>
+        <p:txBody>
+          <a:bodyPr>
+            <a:normAutofit/>
+          </a:bodyPr>
+          <a:lstStyle/>
+          <a:p>
+            <a:pPr fontAlgn="ctr"/>
+            <a:r>
+              <a:rPr lang="en-US" dirty="0" smtClean="0"/>
+              <a:t>Partner with College Career Centers</a:t>
+            </a:r>
+          </a:p>
+          <a:p>
+            <a:pPr fontAlgn="ctr"/>
+            <a:r>
+              <a:rPr lang="en-US" dirty="0" smtClean="0"/>
+              <a:t>Attend Career Fairs</a:t>
+            </a:r>
+          </a:p>
+          <a:p>
+            <a:pPr fontAlgn="ctr"/>
+            <a:r>
+              <a:rPr lang="en-US" dirty="0" smtClean="0"/>
+              <a:t>Connect with Business Student Organizations</a:t>
+            </a:r>
+          </a:p>
+          <a:p>
+            <a:pPr fontAlgn="ctr"/>
+            <a:r>
+              <a:rPr lang="en-US" dirty="0" smtClean="0"/>
+              <a:t>Post Positions in relevant channels</a:t>
+            </a:r>
+            <a:endParaRPr lang="en-US" dirty="0"/>
+          </a:p>
+          <a:p>
+            <a:pPr lvl="1" fontAlgn="ctr"/>
+            <a:r>
+              <a:rPr lang="en-US" dirty="0" smtClean="0"/>
+              <a:t>College Career Site</a:t>
+            </a:r>
+            <a:endParaRPr lang="en-US" dirty="0"/>
+          </a:p>
+          <a:p>
+            <a:pPr lvl="1" fontAlgn="ctr"/>
+            <a:r>
+              <a:rPr lang="en-US" dirty="0" smtClean="0"/>
+              <a:t>LinkedIn</a:t>
+            </a:r>
+            <a:endParaRPr lang="en-US" dirty="0"/>
+          </a:p>
+          <a:p>
+            <a:pPr lvl="1" fontAlgn="ctr"/>
+            <a:r>
+              <a:rPr lang="en-US" dirty="0"/>
+              <a:t>Indeed</a:t>
+            </a:r>
+          </a:p>
+          <a:p>
+            <a:pPr lvl="1" fontAlgn="ctr"/>
+            <a:r>
+              <a:rPr lang="en-US" dirty="0"/>
+              <a:t>Flex Jobs</a:t>
+            </a:r>
+          </a:p>
+          <a:p>
+            <a:endParaRPr lang="en-US" dirty="0"/>
+          </a:p>
+        </p:txBody>
+      </p:sp>
+    </p:spTree>
+    <p:extLst>
+      <p:ext uri="{BB962C8B-B14F-4D97-AF65-F5344CB8AC3E}">
+        <p14:creationId xmlns:p14="http://schemas.microsoft.com/office/powerpoint/2010/main" val="1580428807"/>
+      </p:ext>
+    </p:extLst>
+  </p:cSld>
+  <p:clrMapOvr>
+    <a:masterClrMapping/>
+  </p:clrMapOvr>
+  <p:timing>
+    <p:tnLst>
+      <p:par>
+        <p:cTn id="1" dur="indefinite" restart="never" nodeType="tmRoot"/>
+      </p:par>
+    </p:tnLst>
+  </p:timing>
+</p:sld>
+</file>
+
+<file path=ppt/slides/slide15.xml><?xml version="1.0" encoding="utf-8"?>
+<p:sld xmlns:a="http://schemas.openxmlformats.org/drawingml/2006/main" xmlns:r="http://schemas.openxmlformats.org/officeDocument/2006/relationships" xmlns:p="http://schemas.openxmlformats.org/presentationml/2006/main">
+  <p:cSld>
+    <p:spTree>
+      <p:nvGrpSpPr>
+        <p:cNvPr id="1" name=""/>
+        <p:cNvGrpSpPr/>
+        <p:nvPr/>
+      </p:nvGrpSpPr>
+      <p:grpSpPr>
+        <a:xfrm>
+          <a:off x="0" y="0"/>
+          <a:ext cx="0" cy="0"/>
+          <a:chOff x="0" y="0"/>
+          <a:chExt cx="0" cy="0"/>
+        </a:xfrm>
+      </p:grpSpPr>
+      <p:sp>
+        <p:nvSpPr>
+          <p:cNvPr id="2" name="Title 1"/>
+          <p:cNvSpPr>
+            <a:spLocks noGrp="1"/>
+          </p:cNvSpPr>
+          <p:nvPr>
+            <p:ph type="title"/>
+          </p:nvPr>
+        </p:nvSpPr>
+        <p:spPr/>
+        <p:txBody>
+          <a:bodyPr/>
+          <a:lstStyle/>
+          <a:p>
             <a:r>
               <a:rPr lang="en-US" dirty="0" smtClean="0"/>
               <a:t>Sample Internship Job Description</a:t>
@@ -3318,36 +5195,97 @@
         </p:nvSpPr>
         <p:spPr/>
         <p:txBody>
-          <a:bodyPr/>
-          <a:lstStyle/>
-          <a:p>
-            <a:r>
-              <a:rPr lang="en-US" dirty="0" smtClean="0"/>
-              <a:t>Possible Job Titles:</a:t>
+          <a:bodyPr>
+            <a:normAutofit fontScale="92500" lnSpcReduction="10000"/>
+          </a:bodyPr>
+          <a:lstStyle/>
+          <a:p>
+            <a:r>
+              <a:rPr lang="en-US" dirty="0" smtClean="0"/>
+              <a:t>Job Title: Marketing &amp; Communications Coordinator Intern</a:t>
+            </a:r>
+          </a:p>
+          <a:p>
+            <a:r>
+              <a:rPr lang="en-US" dirty="0" smtClean="0"/>
+              <a:t>Main Responsibilities:</a:t>
             </a:r>
           </a:p>
           <a:p>
             <a:pPr lvl="1"/>
             <a:r>
-              <a:rPr lang="en-US" dirty="0" smtClean="0"/>
-              <a:t>Marketing Coordinator Intern</a:t>
+              <a:rPr lang="en-US" dirty="0"/>
+              <a:t>Develop/oversee/implement communication strategy, including: Marketing, Direct Mail (</a:t>
+            </a:r>
+            <a:r>
+              <a:rPr lang="en-US" dirty="0" smtClean="0"/>
+              <a:t>flyers, newsletter), </a:t>
+            </a:r>
+            <a:r>
+              <a:rPr lang="en-US" dirty="0"/>
+              <a:t>Traditional and Social Media, Content </a:t>
+            </a:r>
+            <a:r>
+              <a:rPr lang="en-US" dirty="0" smtClean="0"/>
+              <a:t>Generation</a:t>
             </a:r>
           </a:p>
           <a:p>
             <a:pPr lvl="1"/>
+            <a:r>
+              <a:rPr lang="en-US" dirty="0" smtClean="0"/>
+              <a:t>New Business Development/Grant Discovery</a:t>
+            </a:r>
             <a:endParaRPr lang="en-US" dirty="0"/>
           </a:p>
           <a:p>
-            <a:r>
-              <a:rPr lang="en-US" dirty="0" smtClean="0"/>
-              <a:t>Main Responsibilities</a:t>
-            </a:r>
-          </a:p>
-          <a:p>
             <a:pPr lvl="1"/>
             <a:r>
               <a:rPr lang="en-US" dirty="0" smtClean="0"/>
-              <a:t>Manage Marketplace</a:t>
+              <a:t>Manage donation drive communication</a:t>
+            </a:r>
+          </a:p>
+          <a:p>
+            <a:pPr lvl="1"/>
+            <a:r>
+              <a:rPr lang="en-US" dirty="0" smtClean="0"/>
+              <a:t>Manage Facebook Marketplace sales</a:t>
+            </a:r>
+          </a:p>
+          <a:p>
+            <a:pPr lvl="1"/>
+            <a:r>
+              <a:rPr lang="en-US" dirty="0" smtClean="0"/>
+              <a:t>Coordination of Success Stories/Testimonials</a:t>
+            </a:r>
+          </a:p>
+          <a:p>
+            <a:pPr lvl="1"/>
+            <a:r>
+              <a:rPr lang="en-US" dirty="0" smtClean="0"/>
+              <a:t>Coordination of community engagement: events, donation pickup, etc.</a:t>
+            </a:r>
+          </a:p>
+          <a:p>
+            <a:pPr lvl="1"/>
+            <a:r>
+              <a:rPr lang="en-US" dirty="0" smtClean="0"/>
+              <a:t>Identify and Connect with local partners: colleges, high schools, local businesses</a:t>
+            </a:r>
+          </a:p>
+          <a:p>
+            <a:pPr lvl="1"/>
+            <a:r>
+              <a:rPr lang="en-US" dirty="0"/>
+              <a:t>1 year commitment </a:t>
+            </a:r>
+            <a:endParaRPr lang="en-US" dirty="0" smtClean="0"/>
+          </a:p>
+          <a:p>
+            <a:pPr lvl="1"/>
+            <a:r>
+              <a:rPr lang="en-US" dirty="0" smtClean="0"/>
+              <a:t>Paid internship</a:t>
             </a:r>
           </a:p>
         </p:txBody>
@@ -3399,7 +5337,7 @@
           <a:p>
             <a:r>
               <a:rPr lang="en-US" dirty="0" smtClean="0"/>
-              <a:t>Initial Recommendations</a:t>
+              <a:t>Marketing Strategy</a:t>
             </a:r>
             <a:endParaRPr lang="en-US" dirty="0"/>
           </a:p>
@@ -3408,7 +5346,7 @@
     </p:spTree>
     <p:extLst>
       <p:ext uri="{BB962C8B-B14F-4D97-AF65-F5344CB8AC3E}">
-        <p14:creationId xmlns:p14="http://schemas.microsoft.com/office/powerpoint/2010/main" val="927824811"/>
+        <p14:creationId xmlns:p14="http://schemas.microsoft.com/office/powerpoint/2010/main" val="3791358396"/>
       </p:ext>
     </p:extLst>
   </p:cSld>
@@ -3493,7 +5431,7 @@
         <p:spPr>
           <a:xfrm>
             <a:off x="4176824" y="1027906"/>
-            <a:ext cx="3893288" cy="2554545"/>
+            <a:ext cx="4212264" cy="4524315"/>
           </a:xfrm>
           <a:prstGeom prst="rect">
             <a:avLst/>
@@ -3506,6 +5444,10 @@
           </a:bodyPr>
           <a:lstStyle/>
           <a:p>
+            <a:pPr marL="457200" indent="-457200">
+              <a:buFont typeface="Arial" panose="020B0604020202020204" pitchFamily="34" charset="0"/>
+              <a:buChar char="•"/>
+            </a:pPr>
             <a:r>
               <a:rPr lang="en-US" sz="3200" dirty="0" smtClean="0">
                 <a:ln w="0"/>
@@ -3520,7 +5462,7 @@
                   </a:outerShdw>
                 </a:effectLst>
               </a:rPr>
-              <a:t>Hire Marketing Intern</a:t>
+              <a:t>Community Outreach</a:t>
             </a:r>
           </a:p>
           <a:p>
@@ -3528,53 +5470,154 @@
               <a:buFont typeface="Arial" panose="020B0604020202020204" pitchFamily="34" charset="0"/>
               <a:buChar char="•"/>
             </a:pPr>
-            <a:endParaRPr lang="en-US" sz="3200" dirty="0" smtClean="0">
-              <a:ln w="0"/>
-              <a:solidFill>
-                <a:srgbClr val="7030A0"/>
-              </a:solidFill>
-              <a:effectLst>
-                <a:outerShdw blurRad="38100" dist="19050" dir="2700000" algn="tl" rotWithShape="0">
-                  <a:schemeClr val="dk1">
-                    <a:alpha val="40000"/>
-                  </a:schemeClr>
-                </a:outerShdw>
-              </a:effectLst>
-            </a:endParaRPr>
-          </a:p>
-          <a:p>
-            <a:endParaRPr lang="en-US" sz="3200" dirty="0" smtClean="0">
-              <a:ln w="0"/>
-              <a:solidFill>
-                <a:srgbClr val="7030A0"/>
-              </a:solidFill>
-              <a:effectLst>
-                <a:outerShdw blurRad="38100" dist="19050" dir="2700000" algn="tl" rotWithShape="0">
-                  <a:schemeClr val="dk1">
-                    <a:alpha val="40000"/>
-                  </a:schemeClr>
-                </a:outerShdw>
-              </a:effectLst>
-            </a:endParaRPr>
+            <a:r>
+              <a:rPr lang="en-US" sz="3200" dirty="0" smtClean="0">
+                <a:ln w="0"/>
+                <a:solidFill>
+                  <a:srgbClr val="7030A0"/>
+                </a:solidFill>
+                <a:effectLst>
+                  <a:outerShdw blurRad="38100" dist="19050" dir="2700000" algn="tl" rotWithShape="0">
+                    <a:schemeClr val="dk1">
+                      <a:alpha val="40000"/>
+                    </a:schemeClr>
+                  </a:outerShdw>
+                </a:effectLst>
+              </a:rPr>
+              <a:t>Volunteering</a:t>
+            </a:r>
+          </a:p>
+          <a:p>
+            <a:pPr marL="914400" lvl="1" indent="-457200">
+              <a:buFont typeface="Arial" panose="020B0604020202020204" pitchFamily="34" charset="0"/>
+              <a:buChar char="•"/>
+            </a:pPr>
+            <a:r>
+              <a:rPr lang="en-US" sz="3200" dirty="0" smtClean="0">
+                <a:ln w="0"/>
+                <a:solidFill>
+                  <a:srgbClr val="7030A0"/>
+                </a:solidFill>
+                <a:effectLst>
+                  <a:outerShdw blurRad="38100" dist="19050" dir="2700000" algn="tl" rotWithShape="0">
+                    <a:schemeClr val="dk1">
+                      <a:alpha val="40000"/>
+                    </a:schemeClr>
+                  </a:outerShdw>
+                </a:effectLst>
+              </a:rPr>
+              <a:t>High School</a:t>
+            </a:r>
+          </a:p>
+          <a:p>
+            <a:pPr marL="914400" lvl="1" indent="-457200">
+              <a:buFont typeface="Arial" panose="020B0604020202020204" pitchFamily="34" charset="0"/>
+              <a:buChar char="•"/>
+            </a:pPr>
+            <a:r>
+              <a:rPr lang="en-US" sz="3200" dirty="0" smtClean="0">
+                <a:ln w="0"/>
+                <a:solidFill>
+                  <a:srgbClr val="7030A0"/>
+                </a:solidFill>
+                <a:effectLst>
+                  <a:outerShdw blurRad="38100" dist="19050" dir="2700000" algn="tl" rotWithShape="0">
+                    <a:schemeClr val="dk1">
+                      <a:alpha val="40000"/>
+                    </a:schemeClr>
+                  </a:outerShdw>
+                </a:effectLst>
+              </a:rPr>
+              <a:t>College</a:t>
+            </a:r>
+          </a:p>
+          <a:p>
+            <a:pPr marL="914400" lvl="1" indent="-457200">
+              <a:buFont typeface="Arial" panose="020B0604020202020204" pitchFamily="34" charset="0"/>
+              <a:buChar char="•"/>
+            </a:pPr>
+            <a:r>
+              <a:rPr lang="en-US" sz="3200" dirty="0" smtClean="0">
+                <a:ln w="0"/>
+                <a:solidFill>
+                  <a:srgbClr val="7030A0"/>
+                </a:solidFill>
+                <a:effectLst>
+                  <a:outerShdw blurRad="38100" dist="19050" dir="2700000" algn="tl" rotWithShape="0">
+                    <a:schemeClr val="dk1">
+                      <a:alpha val="40000"/>
+                    </a:schemeClr>
+                  </a:outerShdw>
+                </a:effectLst>
+              </a:rPr>
+              <a:t>Corporate</a:t>
+            </a:r>
           </a:p>
           <a:p>
             <a:pPr marL="457200" indent="-457200">
               <a:buFont typeface="Arial" panose="020B0604020202020204" pitchFamily="34" charset="0"/>
               <a:buChar char="•"/>
             </a:pPr>
-            <a:endParaRPr lang="en-US" sz="3200" dirty="0" smtClean="0">
-              <a:ln w="0"/>
-              <a:solidFill>
-                <a:srgbClr val="7030A0"/>
-              </a:solidFill>
-              <a:effectLst>
-                <a:outerShdw blurRad="38100" dist="19050" dir="2700000" algn="tl" rotWithShape="0">
-                  <a:schemeClr val="dk1">
-                    <a:alpha val="40000"/>
-                  </a:schemeClr>
-                </a:outerShdw>
-              </a:effectLst>
-            </a:endParaRPr>
+            <a:r>
+              <a:rPr lang="en-US" sz="3200" dirty="0" smtClean="0">
+                <a:ln w="0"/>
+                <a:solidFill>
+                  <a:srgbClr val="7030A0"/>
+                </a:solidFill>
+                <a:effectLst>
+                  <a:outerShdw blurRad="38100" dist="19050" dir="2700000" algn="tl" rotWithShape="0">
+                    <a:schemeClr val="dk1">
+                      <a:alpha val="40000"/>
+                    </a:schemeClr>
+                  </a:outerShdw>
+                </a:effectLst>
+              </a:rPr>
+              <a:t>Donations</a:t>
+            </a:r>
+          </a:p>
+          <a:p>
+            <a:pPr marL="457200" indent="-457200">
+              <a:buFont typeface="Arial" panose="020B0604020202020204" pitchFamily="34" charset="0"/>
+              <a:buChar char="•"/>
+            </a:pPr>
+            <a:r>
+              <a:rPr lang="en-US" sz="3200" dirty="0" smtClean="0">
+                <a:ln w="0"/>
+                <a:solidFill>
+                  <a:srgbClr val="7030A0"/>
+                </a:solidFill>
+                <a:effectLst>
+                  <a:outerShdw blurRad="38100" dist="19050" dir="2700000" algn="tl" rotWithShape="0">
+                    <a:schemeClr val="dk1">
+                      <a:alpha val="40000"/>
+                    </a:schemeClr>
+                  </a:outerShdw>
+                </a:effectLst>
+              </a:rPr>
+              <a:t>Sales &amp; Promotions</a:t>
+            </a:r>
+          </a:p>
+          <a:p>
+            <a:pPr marL="457200" indent="-457200">
+              <a:buFont typeface="Arial" panose="020B0604020202020204" pitchFamily="34" charset="0"/>
+              <a:buChar char="•"/>
+            </a:pPr>
+            <a:r>
+              <a:rPr lang="en-US" sz="3200" dirty="0" smtClean="0">
+                <a:ln w="0"/>
+                <a:solidFill>
+                  <a:srgbClr val="7030A0"/>
+                </a:solidFill>
+                <a:effectLst>
+                  <a:outerShdw blurRad="38100" dist="19050" dir="2700000" algn="tl" rotWithShape="0">
+                    <a:schemeClr val="dk1">
+                      <a:alpha val="40000"/>
+                    </a:schemeClr>
+                  </a:outerShdw>
+                </a:effectLst>
+              </a:rPr>
+              <a:t>Social Media</a:t>
+            </a:r>
           </a:p>
           <a:p>
             <a:endParaRPr lang="en-US" sz="3200" dirty="0">
@@ -3596,13 +5639,20 @@
     </p:spTree>
     <p:extLst>
       <p:ext uri="{BB962C8B-B14F-4D97-AF65-F5344CB8AC3E}">
-        <p14:creationId xmlns:p14="http://schemas.microsoft.com/office/powerpoint/2010/main" val="3956867811"/>
+        <p14:creationId xmlns:p14="http://schemas.microsoft.com/office/powerpoint/2010/main" val="1517464517"/>
       </p:ext>
     </p:extLst>
   </p:cSld>
   <p:clrMapOvr>
     <a:masterClrMapping/>
   </p:clrMapOvr>
+  <p:timing>
+    <p:tnLst>
+      <p:par>
+        <p:cTn id="1" dur="indefinite" restart="never" nodeType="tmRoot"/>
+      </p:par>
+    </p:tnLst>
+  </p:timing>
 </p:sld>
 </file>
 
@@ -3640,7 +5690,7 @@
           <a:p>
             <a:r>
               <a:rPr lang="en-US" dirty="0" smtClean="0"/>
-              <a:t>Marketing Internship Strategy</a:t>
+              <a:t>Community Outreach</a:t>
             </a:r>
             <a:endParaRPr lang="en-US" dirty="0"/>
           </a:p>
@@ -3658,66 +5708,93 @@
         </p:nvSpPr>
         <p:spPr/>
         <p:txBody>
-          <a:bodyPr/>
+          <a:bodyPr>
+            <a:normAutofit/>
+          </a:bodyPr>
           <a:lstStyle/>
           <a:p>
             <a:pPr fontAlgn="ctr"/>
             <a:r>
               <a:rPr lang="en-US" dirty="0" smtClean="0"/>
-              <a:t>Partner with College Career Centers</a:t>
-            </a:r>
+              <a:t>Local Radio Drive (NPR)</a:t>
+            </a:r>
+          </a:p>
+          <a:p>
+            <a:pPr lvl="1" fontAlgn="ctr"/>
+            <a:r>
+              <a:rPr lang="en-US" dirty="0" smtClean="0"/>
+              <a:t>Raise awareness by posting promotions, events, volunteer opportunities</a:t>
+            </a:r>
+            <a:endParaRPr lang="en-US" dirty="0"/>
           </a:p>
           <a:p>
             <a:pPr fontAlgn="ctr"/>
             <a:r>
               <a:rPr lang="en-US" dirty="0" smtClean="0"/>
-              <a:t>Attend Career Fairs</a:t>
-            </a:r>
+              <a:t>Partner </a:t>
+            </a:r>
+            <a:r>
+              <a:rPr lang="en-US" dirty="0"/>
+              <a:t>with Round Rock </a:t>
+            </a:r>
+            <a:r>
+              <a:rPr lang="en-US" dirty="0" smtClean="0"/>
+              <a:t>Express</a:t>
+            </a:r>
+          </a:p>
+          <a:p>
+            <a:pPr lvl="1" fontAlgn="ctr"/>
+            <a:r>
+              <a:rPr lang="en-US" dirty="0" smtClean="0"/>
+              <a:t>Opportunities for advertising, sponsorship, donation of tickets, etc.</a:t>
+            </a:r>
+            <a:endParaRPr lang="en-US" dirty="0"/>
           </a:p>
           <a:p>
             <a:pPr fontAlgn="ctr"/>
             <a:r>
               <a:rPr lang="en-US" dirty="0" smtClean="0"/>
-              <a:t>Connect with Business Student Organizations</a:t>
-            </a:r>
+              <a:t>Farmers Market</a:t>
+            </a:r>
+          </a:p>
+          <a:p>
+            <a:pPr lvl="1" fontAlgn="ctr"/>
+            <a:r>
+              <a:rPr lang="en-US" dirty="0" smtClean="0"/>
+              <a:t>Participate in local Farmers Markets to sell items</a:t>
+            </a:r>
+          </a:p>
+          <a:p>
+            <a:pPr lvl="1" fontAlgn="ctr"/>
+            <a:r>
+              <a:rPr lang="en-US" dirty="0" smtClean="0"/>
+              <a:t>Host Farmers Markets onsite on a regular basis along with store specials to increase traffic and drive sales</a:t>
+            </a:r>
+            <a:endParaRPr lang="en-US" dirty="0"/>
           </a:p>
           <a:p>
             <a:pPr fontAlgn="ctr"/>
             <a:r>
-              <a:rPr lang="en-US" dirty="0" smtClean="0"/>
-              <a:t>Post Positions in relevant channels</a:t>
-            </a:r>
+              <a:rPr lang="en-US" dirty="0"/>
+              <a:t>Family volunteer </a:t>
+            </a:r>
+            <a:r>
+              <a:rPr lang="en-US" dirty="0" smtClean="0"/>
+              <a:t>day</a:t>
+            </a:r>
+          </a:p>
+          <a:p>
+            <a:pPr lvl="1" fontAlgn="ctr"/>
+            <a:r>
+              <a:rPr lang="en-US" dirty="0" smtClean="0"/>
+              <a:t>Offer store discount/promotions for the family for volunteering</a:t>
+            </a:r>
+          </a:p>
+          <a:p>
+            <a:pPr marL="457200" lvl="1" indent="0" fontAlgn="ctr">
+              <a:buNone/>
+            </a:pPr>
             <a:endParaRPr lang="en-US" dirty="0"/>
-          </a:p>
-          <a:p>
-            <a:pPr lvl="1" fontAlgn="ctr"/>
-            <a:r>
-              <a:rPr lang="en-US" dirty="0" smtClean="0"/>
-              <a:t>College Career Site</a:t>
-            </a:r>
-            <a:endParaRPr lang="en-US" dirty="0"/>
-          </a:p>
-          <a:p>
-            <a:pPr lvl="1" fontAlgn="ctr"/>
-            <a:r>
-              <a:rPr lang="en-US" dirty="0" smtClean="0"/>
-              <a:t>LinkedIn</a:t>
-            </a:r>
-            <a:endParaRPr lang="en-US" dirty="0"/>
-          </a:p>
-          <a:p>
-            <a:pPr lvl="1" fontAlgn="ctr"/>
-            <a:r>
-              <a:rPr lang="en-US" dirty="0"/>
-              <a:t>Indeed</a:t>
-            </a:r>
-          </a:p>
-          <a:p>
-            <a:pPr lvl="1" fontAlgn="ctr"/>
-            <a:r>
-              <a:rPr lang="en-US" dirty="0"/>
-              <a:t>Flex Jobs</a:t>
-            </a:r>
           </a:p>
           <a:p>
             <a:endParaRPr lang="en-US" dirty="0"/>
@@ -3727,13 +5804,20 @@
     </p:spTree>
     <p:extLst>
       <p:ext uri="{BB962C8B-B14F-4D97-AF65-F5344CB8AC3E}">
-        <p14:creationId xmlns:p14="http://schemas.microsoft.com/office/powerpoint/2010/main" val="1580428807"/>
+        <p14:creationId xmlns:p14="http://schemas.microsoft.com/office/powerpoint/2010/main" val="1329665208"/>
       </p:ext>
     </p:extLst>
   </p:cSld>
   <p:clrMapOvr>
     <a:masterClrMapping/>
   </p:clrMapOvr>
+  <p:timing>
+    <p:tnLst>
+      <p:par>
+        <p:cTn id="1" dur="indefinite" restart="never" nodeType="tmRoot"/>
+      </p:par>
+    </p:tnLst>
+  </p:timing>
 </p:sld>
 </file>
 
@@ -3761,7 +5845,7 @@
             <a:spLocks noGrp="1"/>
           </p:cNvSpPr>
           <p:nvPr>
-            <p:ph type="ctrTitle"/>
+            <p:ph type="title"/>
           </p:nvPr>
         </p:nvSpPr>
         <p:spPr/>
@@ -3771,8 +5855,127 @@
           <a:p>
             <a:r>
               <a:rPr lang="en-US" dirty="0" smtClean="0"/>
-              <a:t>Marketing Strategy</a:t>
-            </a:r>
+              <a:t>Community Outreach</a:t>
+            </a:r>
+            <a:endParaRPr lang="en-US" dirty="0"/>
+          </a:p>
+        </p:txBody>
+      </p:sp>
+      <p:sp>
+        <p:nvSpPr>
+          <p:cNvPr id="3" name="Content Placeholder 2"/>
+          <p:cNvSpPr>
+            <a:spLocks noGrp="1"/>
+          </p:cNvSpPr>
+          <p:nvPr>
+            <p:ph idx="1"/>
+          </p:nvPr>
+        </p:nvSpPr>
+        <p:spPr/>
+        <p:txBody>
+          <a:bodyPr>
+            <a:normAutofit fontScale="92500" lnSpcReduction="20000"/>
+          </a:bodyPr>
+          <a:lstStyle/>
+          <a:p>
+            <a:pPr fontAlgn="ctr"/>
+            <a:r>
+              <a:rPr lang="en-US" dirty="0" smtClean="0"/>
+              <a:t>Partner with local Non Profits/Churches</a:t>
+            </a:r>
+          </a:p>
+          <a:p>
+            <a:pPr lvl="1" fontAlgn="ctr"/>
+            <a:r>
+              <a:rPr lang="en-US" dirty="0" smtClean="0"/>
+              <a:t>Participate in community-wide serving events (i.e. Love the Rock)</a:t>
+            </a:r>
+          </a:p>
+          <a:p>
+            <a:pPr lvl="1" fontAlgn="ctr"/>
+            <a:r>
+              <a:rPr lang="en-US" dirty="0" smtClean="0"/>
+              <a:t>Team up with other non profits:</a:t>
+            </a:r>
+          </a:p>
+          <a:p>
+            <a:pPr lvl="2" fontAlgn="ctr"/>
+            <a:r>
+              <a:rPr lang="en-US" dirty="0" smtClean="0"/>
+              <a:t>Blood drive truck on-site</a:t>
+            </a:r>
+          </a:p>
+          <a:p>
+            <a:pPr lvl="2" fontAlgn="ctr"/>
+            <a:r>
+              <a:rPr lang="en-US" dirty="0" smtClean="0"/>
+              <a:t>Adopt a Pet</a:t>
+            </a:r>
+          </a:p>
+          <a:p>
+            <a:pPr lvl="2" fontAlgn="ctr"/>
+            <a:r>
+              <a:rPr lang="en-US" dirty="0" smtClean="0"/>
+              <a:t>Amplify Austin</a:t>
+            </a:r>
+          </a:p>
+          <a:p>
+            <a:pPr lvl="2" fontAlgn="ctr"/>
+            <a:r>
+              <a:rPr lang="en-US" dirty="0" smtClean="0"/>
+              <a:t>Non Profit Fairs in Austin Metro (Austin, Pflugerville, Georgetown, etc.)</a:t>
+            </a:r>
+          </a:p>
+          <a:p>
+            <a:pPr fontAlgn="ctr"/>
+            <a:r>
+              <a:rPr lang="en-US" dirty="0" smtClean="0"/>
+              <a:t>Engage in Public Events</a:t>
+            </a:r>
+          </a:p>
+          <a:p>
+            <a:pPr lvl="1" fontAlgn="ctr"/>
+            <a:r>
+              <a:rPr lang="en-US" dirty="0" smtClean="0"/>
+              <a:t>Events in public venues (i.e. Centennial Plaza)</a:t>
+            </a:r>
+          </a:p>
+          <a:p>
+            <a:pPr lvl="1" fontAlgn="ctr"/>
+            <a:r>
+              <a:rPr lang="en-US" dirty="0" smtClean="0"/>
+              <a:t>Events at local schools, churches, businesses</a:t>
+            </a:r>
+          </a:p>
+          <a:p>
+            <a:pPr lvl="1" fontAlgn="ctr"/>
+            <a:r>
+              <a:rPr lang="en-US" dirty="0" smtClean="0"/>
+              <a:t>City-sponsored events</a:t>
+            </a:r>
+          </a:p>
+          <a:p>
+            <a:pPr fontAlgn="ctr"/>
+            <a:r>
+              <a:rPr lang="en-US" dirty="0" smtClean="0"/>
+              <a:t>Sponsor Local Artists Events</a:t>
+            </a:r>
+            <a:endParaRPr lang="en-US" dirty="0"/>
+          </a:p>
+          <a:p>
+            <a:pPr lvl="1" fontAlgn="ctr"/>
+            <a:r>
+              <a:rPr lang="en-US" dirty="0" smtClean="0"/>
+              <a:t>Concerts with local bands/orchestras (i.e. Round Rock Orchestra)</a:t>
+            </a:r>
+          </a:p>
+          <a:p>
+            <a:pPr marL="457200" lvl="1" indent="0" fontAlgn="ctr">
+              <a:buNone/>
+            </a:pPr>
+            <a:endParaRPr lang="en-US" dirty="0"/>
+          </a:p>
+          <a:p>
             <a:endParaRPr lang="en-US" dirty="0"/>
           </a:p>
         </p:txBody>
@@ -3780,13 +5983,20 @@
     </p:spTree>
     <p:extLst>
       <p:ext uri="{BB962C8B-B14F-4D97-AF65-F5344CB8AC3E}">
-        <p14:creationId xmlns:p14="http://schemas.microsoft.com/office/powerpoint/2010/main" val="316567135"/>
+        <p14:creationId xmlns:p14="http://schemas.microsoft.com/office/powerpoint/2010/main" val="3752550190"/>
       </p:ext>
     </p:extLst>
   </p:cSld>
   <p:clrMapOvr>
     <a:masterClrMapping/>
   </p:clrMapOvr>
+  <p:timing>
+    <p:tnLst>
+      <p:par>
+        <p:cTn id="1" dur="indefinite" restart="never" nodeType="tmRoot"/>
+      </p:par>
+    </p:tnLst>
+  </p:timing>
 </p:sld>
 </file>
 
@@ -3822,274 +6032,142 @@
           <a:bodyPr/>
           <a:lstStyle/>
           <a:p>
-            <a:endParaRPr lang="en-US"/>
-          </a:p>
-        </p:txBody>
-      </p:sp>
-      <p:pic>
-        <p:nvPicPr>
-          <p:cNvPr id="4" name="Picture 3"/>
-          <p:cNvPicPr>
-            <a:picLocks noChangeAspect="1"/>
-          </p:cNvPicPr>
-          <p:nvPr/>
-        </p:nvPicPr>
-        <p:blipFill>
-          <a:blip r:embed="rId2" cstate="print">
-            <a:extLst>
-              <a:ext uri="{28A0092B-C50C-407E-A947-70E740481C1C}">
-                <a14:useLocalDpi xmlns:a14="http://schemas.microsoft.com/office/drawing/2010/main" val="0"/>
-              </a:ext>
-            </a:extLst>
-          </a:blip>
-          <a:stretch>
-            <a:fillRect/>
-          </a:stretch>
-        </p:blipFill>
-        <p:spPr>
-          <a:xfrm>
-            <a:off x="0" y="0"/>
-            <a:ext cx="12192000" cy="6858000"/>
-          </a:xfrm>
-          <a:prstGeom prst="rect">
-            <a:avLst/>
-          </a:prstGeom>
-        </p:spPr>
-      </p:pic>
-      <p:sp>
-        <p:nvSpPr>
-          <p:cNvPr id="6" name="TextBox 5"/>
-          <p:cNvSpPr txBox="1"/>
-          <p:nvPr/>
-        </p:nvSpPr>
-        <p:spPr>
-          <a:xfrm>
-            <a:off x="4176824" y="1027906"/>
-            <a:ext cx="4212264" cy="4524315"/>
-          </a:xfrm>
-          <a:prstGeom prst="rect">
-            <a:avLst/>
-          </a:prstGeom>
-          <a:noFill/>
-        </p:spPr>
-        <p:txBody>
-          <a:bodyPr wrap="square" rtlCol="0">
-            <a:spAutoFit/>
+            <a:r>
+              <a:rPr lang="en-US" dirty="0" smtClean="0"/>
+              <a:t>Volunteering</a:t>
+            </a:r>
+            <a:endParaRPr lang="en-US" dirty="0"/>
+          </a:p>
+        </p:txBody>
+      </p:sp>
+      <p:sp>
+        <p:nvSpPr>
+          <p:cNvPr id="3" name="Content Placeholder 2"/>
+          <p:cNvSpPr>
+            <a:spLocks noGrp="1"/>
+          </p:cNvSpPr>
+          <p:nvPr>
+            <p:ph idx="1"/>
+          </p:nvPr>
+        </p:nvSpPr>
+        <p:spPr/>
+        <p:txBody>
+          <a:bodyPr>
+            <a:normAutofit lnSpcReduction="10000"/>
           </a:bodyPr>
           <a:lstStyle/>
           <a:p>
-            <a:pPr marL="457200" indent="-457200">
-              <a:buFont typeface="Arial" panose="020B0604020202020204" pitchFamily="34" charset="0"/>
-              <a:buChar char="•"/>
+            <a:pPr fontAlgn="ctr"/>
+            <a:r>
+              <a:rPr lang="en-US" dirty="0" smtClean="0"/>
+              <a:t>Partner with local Colleges</a:t>
+            </a:r>
+          </a:p>
+          <a:p>
+            <a:pPr lvl="1" fontAlgn="ctr"/>
+            <a:r>
+              <a:rPr lang="en-US" dirty="0" smtClean="0"/>
+              <a:t>Leverage recruiting strategy/connections to tap for potential volunteers</a:t>
+            </a:r>
+          </a:p>
+          <a:p>
+            <a:pPr lvl="1" fontAlgn="ctr"/>
+            <a:r>
+              <a:rPr lang="en-US" dirty="0" smtClean="0"/>
+              <a:t>Connect with Student Organizations</a:t>
+            </a:r>
+          </a:p>
+          <a:p>
+            <a:pPr lvl="1" fontAlgn="ctr"/>
+            <a:r>
+              <a:rPr lang="en-US" dirty="0" smtClean="0"/>
+              <a:t>Connect with Faculty to speak at classrooms and sponsor class projects</a:t>
+            </a:r>
+            <a:endParaRPr lang="en-US" dirty="0"/>
+          </a:p>
+          <a:p>
+            <a:pPr fontAlgn="ctr"/>
+            <a:r>
+              <a:rPr lang="en-US" dirty="0" smtClean="0"/>
+              <a:t>Partner with local High Schools</a:t>
+            </a:r>
+          </a:p>
+          <a:p>
+            <a:pPr lvl="1" fontAlgn="ctr"/>
+            <a:r>
+              <a:rPr lang="en-US" dirty="0" smtClean="0"/>
+              <a:t>Connect with Parents’ association </a:t>
+            </a:r>
+          </a:p>
+          <a:p>
+            <a:pPr lvl="1" fontAlgn="ctr"/>
+            <a:r>
+              <a:rPr lang="en-US" dirty="0" smtClean="0"/>
+              <a:t>Connect with High School Counselors</a:t>
+            </a:r>
+          </a:p>
+          <a:p>
+            <a:pPr lvl="1" fontAlgn="ctr"/>
+            <a:r>
+              <a:rPr lang="en-US" dirty="0" smtClean="0"/>
+              <a:t>Promote Family Volunteer Day</a:t>
+            </a:r>
+          </a:p>
+          <a:p>
+            <a:pPr fontAlgn="ctr"/>
+            <a:r>
+              <a:rPr lang="en-US" dirty="0" smtClean="0"/>
+              <a:t>Partner with local Companies</a:t>
+            </a:r>
+          </a:p>
+          <a:p>
+            <a:pPr lvl="1" fontAlgn="ctr"/>
+            <a:r>
+              <a:rPr lang="en-US" dirty="0" smtClean="0"/>
+              <a:t>Connect with Employee Resource Groups (ERGs) </a:t>
+            </a:r>
+          </a:p>
+          <a:p>
+            <a:pPr lvl="1" fontAlgn="ctr"/>
+            <a:r>
+              <a:rPr lang="en-US" dirty="0" smtClean="0"/>
+              <a:t>Connect with Company’s CSR initiatives </a:t>
+            </a:r>
+          </a:p>
+          <a:p>
+            <a:pPr marL="457200" lvl="1" indent="0" fontAlgn="ctr">
+              <a:buNone/>
             </a:pPr>
-            <a:r>
-              <a:rPr lang="en-US" sz="3200" dirty="0" smtClean="0">
-                <a:ln w="0"/>
-                <a:solidFill>
-                  <a:srgbClr val="7030A0"/>
-                </a:solidFill>
-                <a:effectLst>
-                  <a:outerShdw blurRad="38100" dist="19050" dir="2700000" algn="tl" rotWithShape="0">
-                    <a:schemeClr val="dk1">
-                      <a:alpha val="40000"/>
-                    </a:schemeClr>
-                  </a:outerShdw>
-                </a:effectLst>
-              </a:rPr>
-              <a:t>Community Outreach</a:t>
-            </a:r>
-          </a:p>
-          <a:p>
-            <a:pPr marL="457200" indent="-457200">
-              <a:buFont typeface="Arial" panose="020B0604020202020204" pitchFamily="34" charset="0"/>
-              <a:buChar char="•"/>
+            <a:endParaRPr lang="en-US" dirty="0" smtClean="0"/>
+          </a:p>
+          <a:p>
+            <a:pPr marL="457200" lvl="1" indent="0" fontAlgn="ctr">
+              <a:buNone/>
             </a:pPr>
-            <a:r>
-              <a:rPr lang="en-US" sz="3200" dirty="0" smtClean="0">
-                <a:ln w="0"/>
-                <a:solidFill>
-                  <a:srgbClr val="7030A0"/>
-                </a:solidFill>
-                <a:effectLst>
-                  <a:outerShdw blurRad="38100" dist="19050" dir="2700000" algn="tl" rotWithShape="0">
-                    <a:schemeClr val="dk1">
-                      <a:alpha val="40000"/>
-                    </a:schemeClr>
-                  </a:outerShdw>
-                </a:effectLst>
-              </a:rPr>
-              <a:t>Volunteering</a:t>
-            </a:r>
-          </a:p>
-          <a:p>
-            <a:pPr marL="914400" lvl="1" indent="-457200">
-              <a:buFont typeface="Arial" panose="020B0604020202020204" pitchFamily="34" charset="0"/>
-              <a:buChar char="•"/>
-            </a:pPr>
-            <a:r>
-              <a:rPr lang="en-US" sz="3200" dirty="0" smtClean="0">
-                <a:ln w="0"/>
-                <a:solidFill>
-                  <a:srgbClr val="7030A0"/>
-                </a:solidFill>
-                <a:effectLst>
-                  <a:outerShdw blurRad="38100" dist="19050" dir="2700000" algn="tl" rotWithShape="0">
-                    <a:schemeClr val="dk1">
-                      <a:alpha val="40000"/>
-                    </a:schemeClr>
-                  </a:outerShdw>
-                </a:effectLst>
-              </a:rPr>
-              <a:t>High School</a:t>
-            </a:r>
-          </a:p>
-          <a:p>
-            <a:pPr marL="914400" lvl="1" indent="-457200">
-              <a:buFont typeface="Arial" panose="020B0604020202020204" pitchFamily="34" charset="0"/>
-              <a:buChar char="•"/>
-            </a:pPr>
-            <a:r>
-              <a:rPr lang="en-US" sz="3200" dirty="0" smtClean="0">
-                <a:ln w="0"/>
-                <a:solidFill>
-                  <a:srgbClr val="7030A0"/>
-                </a:solidFill>
-                <a:effectLst>
-                  <a:outerShdw blurRad="38100" dist="19050" dir="2700000" algn="tl" rotWithShape="0">
-                    <a:schemeClr val="dk1">
-                      <a:alpha val="40000"/>
-                    </a:schemeClr>
-                  </a:outerShdw>
-                </a:effectLst>
-              </a:rPr>
-              <a:t>College</a:t>
-            </a:r>
-          </a:p>
-          <a:p>
-            <a:pPr marL="914400" lvl="1" indent="-457200">
-              <a:buFont typeface="Arial" panose="020B0604020202020204" pitchFamily="34" charset="0"/>
-              <a:buChar char="•"/>
-            </a:pPr>
-            <a:r>
-              <a:rPr lang="en-US" sz="3200" dirty="0" smtClean="0">
-                <a:ln w="0"/>
-                <a:solidFill>
-                  <a:srgbClr val="7030A0"/>
-                </a:solidFill>
-                <a:effectLst>
-                  <a:outerShdw blurRad="38100" dist="19050" dir="2700000" algn="tl" rotWithShape="0">
-                    <a:schemeClr val="dk1">
-                      <a:alpha val="40000"/>
-                    </a:schemeClr>
-                  </a:outerShdw>
-                </a:effectLst>
-              </a:rPr>
-              <a:t>Corporate</a:t>
-            </a:r>
-            <a:endParaRPr lang="en-US" sz="3200" dirty="0" smtClean="0">
-              <a:ln w="0"/>
-              <a:solidFill>
-                <a:srgbClr val="7030A0"/>
-              </a:solidFill>
-              <a:effectLst>
-                <a:outerShdw blurRad="38100" dist="19050" dir="2700000" algn="tl" rotWithShape="0">
-                  <a:schemeClr val="dk1">
-                    <a:alpha val="40000"/>
-                  </a:schemeClr>
-                </a:outerShdw>
-              </a:effectLst>
-            </a:endParaRPr>
-          </a:p>
-          <a:p>
-            <a:pPr marL="457200" indent="-457200">
-              <a:buFont typeface="Arial" panose="020B0604020202020204" pitchFamily="34" charset="0"/>
-              <a:buChar char="•"/>
-            </a:pPr>
-            <a:r>
-              <a:rPr lang="en-US" sz="3200" dirty="0" smtClean="0">
-                <a:ln w="0"/>
-                <a:solidFill>
-                  <a:srgbClr val="7030A0"/>
-                </a:solidFill>
-                <a:effectLst>
-                  <a:outerShdw blurRad="38100" dist="19050" dir="2700000" algn="tl" rotWithShape="0">
-                    <a:schemeClr val="dk1">
-                      <a:alpha val="40000"/>
-                    </a:schemeClr>
-                  </a:outerShdw>
-                </a:effectLst>
-              </a:rPr>
-              <a:t>Donations</a:t>
-            </a:r>
-          </a:p>
-          <a:p>
-            <a:pPr marL="457200" indent="-457200">
-              <a:buFont typeface="Arial" panose="020B0604020202020204" pitchFamily="34" charset="0"/>
-              <a:buChar char="•"/>
-            </a:pPr>
-            <a:r>
-              <a:rPr lang="en-US" sz="3200" dirty="0" smtClean="0">
-                <a:ln w="0"/>
-                <a:solidFill>
-                  <a:srgbClr val="7030A0"/>
-                </a:solidFill>
-                <a:effectLst>
-                  <a:outerShdw blurRad="38100" dist="19050" dir="2700000" algn="tl" rotWithShape="0">
-                    <a:schemeClr val="dk1">
-                      <a:alpha val="40000"/>
-                    </a:schemeClr>
-                  </a:outerShdw>
-                </a:effectLst>
-              </a:rPr>
-              <a:t>Sales &amp; Promotions</a:t>
-            </a:r>
-          </a:p>
-          <a:p>
-            <a:pPr marL="457200" indent="-457200">
-              <a:buFont typeface="Arial" panose="020B0604020202020204" pitchFamily="34" charset="0"/>
-              <a:buChar char="•"/>
-            </a:pPr>
-            <a:endParaRPr lang="en-US" sz="3200" dirty="0" smtClean="0">
-              <a:ln w="0"/>
-              <a:solidFill>
-                <a:srgbClr val="7030A0"/>
-              </a:solidFill>
-              <a:effectLst>
-                <a:outerShdw blurRad="38100" dist="19050" dir="2700000" algn="tl" rotWithShape="0">
-                  <a:schemeClr val="dk1">
-                    <a:alpha val="40000"/>
-                  </a:schemeClr>
-                </a:outerShdw>
-              </a:effectLst>
-            </a:endParaRPr>
-          </a:p>
-          <a:p>
-            <a:endParaRPr lang="en-US" sz="3200" dirty="0">
-              <a:ln w="0"/>
-              <a:solidFill>
-                <a:srgbClr val="7030A0"/>
-              </a:solidFill>
-              <a:effectLst>
-                <a:outerShdw blurRad="38100" dist="19050" dir="2700000" algn="tl" rotWithShape="0">
-                  <a:schemeClr val="dk1">
-                    <a:alpha val="40000"/>
-                  </a:schemeClr>
-                </a:outerShdw>
-              </a:effectLst>
-            </a:endParaRPr>
+            <a:endParaRPr lang="en-US" dirty="0"/>
+          </a:p>
+          <a:p>
+            <a:endParaRPr lang="en-US" dirty="0"/>
           </a:p>
         </p:txBody>
       </p:sp>
     </p:spTree>
     <p:extLst>
       <p:ext uri="{BB962C8B-B14F-4D97-AF65-F5344CB8AC3E}">
-        <p14:creationId xmlns:p14="http://schemas.microsoft.com/office/powerpoint/2010/main" val="1517464517"/>
+        <p14:creationId xmlns:p14="http://schemas.microsoft.com/office/powerpoint/2010/main" val="1771160345"/>
       </p:ext>
     </p:extLst>
   </p:cSld>
   <p:clrMapOvr>
     <a:masterClrMapping/>
   </p:clrMapOvr>
+  <p:timing>
+    <p:tnLst>
+      <p:par>
+        <p:cTn id="1" dur="indefinite" restart="never" nodeType="tmRoot"/>
+      </p:par>
+    </p:tnLst>
+  </p:timing>
 </p:sld>
 </file>
 
@@ -4127,7 +6205,7 @@
           <a:p>
             <a:r>
               <a:rPr lang="en-US" dirty="0" smtClean="0"/>
-              <a:t>Community Outreach</a:t>
+              <a:t>Donations</a:t>
             </a:r>
             <a:endParaRPr lang="en-US" dirty="0"/>
           </a:p>
@@ -4146,21 +6224,28 @@
         <p:spPr/>
         <p:txBody>
           <a:bodyPr>
-            <a:normAutofit/>
+            <a:normAutofit fontScale="85000" lnSpcReduction="20000"/>
           </a:bodyPr>
           <a:lstStyle/>
           <a:p>
             <a:pPr fontAlgn="ctr"/>
             <a:r>
               <a:rPr lang="en-US" dirty="0" smtClean="0"/>
-              <a:t>Local Radio Drive</a:t>
+              <a:t>Increase Awareness in Colleges</a:t>
             </a:r>
           </a:p>
           <a:p>
             <a:pPr lvl="1" fontAlgn="ctr"/>
             <a:r>
               <a:rPr lang="en-US" dirty="0" smtClean="0"/>
-              <a:t>Raise awareness by posting promotions, events, volunteer opportunities</a:t>
+              <a:t>Offer end of Semester free pick up from college dorms</a:t>
+            </a:r>
+          </a:p>
+          <a:p>
+            <a:pPr lvl="1" fontAlgn="ctr"/>
+            <a:r>
+              <a:rPr lang="en-US" dirty="0" smtClean="0"/>
+              <a:t>Connect with Student Organizations to organize donation drives on campus</a:t>
             </a:r>
             <a:endParaRPr lang="en-US" dirty="0"/>
           </a:p>
@@ -4168,68 +6253,96 @@
             <a:pPr fontAlgn="ctr"/>
             <a:r>
               <a:rPr lang="en-US" dirty="0" smtClean="0"/>
-              <a:t>Partner </a:t>
-            </a:r>
-            <a:r>
-              <a:rPr lang="en-US" dirty="0"/>
-              <a:t>with Round Rock </a:t>
-            </a:r>
-            <a:r>
-              <a:rPr lang="en-US" dirty="0" smtClean="0"/>
-              <a:t>Express</a:t>
+              <a:t>Leverage Existing Volunteers</a:t>
             </a:r>
           </a:p>
           <a:p>
             <a:pPr lvl="1" fontAlgn="ctr"/>
             <a:r>
               <a:rPr lang="en-US" dirty="0" smtClean="0"/>
-              <a:t>Opportunities for advertising, sponsorship, donation of tickets, etc.</a:t>
+              <a:t>Quarterly reminder </a:t>
+            </a:r>
+          </a:p>
+          <a:p>
+            <a:pPr lvl="1" fontAlgn="ctr"/>
+            <a:r>
+              <a:rPr lang="en-US" dirty="0" smtClean="0"/>
+              <a:t>Offer opportunities to donate for specific events</a:t>
+            </a:r>
+          </a:p>
+          <a:p>
+            <a:pPr lvl="1" fontAlgn="ctr"/>
+            <a:r>
+              <a:rPr lang="en-US" dirty="0" smtClean="0"/>
+              <a:t>Store credit for Donations &amp; Donation Referrals </a:t>
+            </a:r>
+          </a:p>
+          <a:p>
+            <a:pPr fontAlgn="ctr"/>
+            <a:r>
+              <a:rPr lang="en-US" dirty="0" smtClean="0"/>
+              <a:t>Connect to Local Neighborhoods</a:t>
+            </a:r>
+          </a:p>
+          <a:p>
+            <a:pPr lvl="1" fontAlgn="ctr"/>
+            <a:r>
+              <a:rPr lang="en-US" dirty="0" smtClean="0"/>
+              <a:t>Offer Garage Sales Pick up</a:t>
+            </a:r>
+          </a:p>
+          <a:p>
+            <a:pPr lvl="1" fontAlgn="ctr"/>
+            <a:r>
+              <a:rPr lang="en-US" dirty="0" smtClean="0"/>
+              <a:t>Promote services in Neighborhood Pages/Newsletters/Apps (i.e. </a:t>
+            </a:r>
+            <a:r>
+              <a:rPr lang="en-US" dirty="0" err="1" smtClean="0"/>
+              <a:t>NextDoor</a:t>
+            </a:r>
+            <a:r>
+              <a:rPr lang="en-US" dirty="0" smtClean="0"/>
+              <a:t>)</a:t>
+            </a:r>
+          </a:p>
+          <a:p>
+            <a:pPr lvl="1" fontAlgn="ctr"/>
+            <a:r>
+              <a:rPr lang="en-US" dirty="0" smtClean="0"/>
+              <a:t>Donation drop boxes at apartment complexes</a:t>
             </a:r>
             <a:endParaRPr lang="en-US" dirty="0"/>
           </a:p>
           <a:p>
             <a:pPr fontAlgn="ctr"/>
             <a:r>
-              <a:rPr lang="en-US" dirty="0"/>
-              <a:t>Farmer's </a:t>
-            </a:r>
-            <a:r>
-              <a:rPr lang="en-US" dirty="0" smtClean="0"/>
-              <a:t>Market</a:t>
-            </a:r>
+              <a:rPr lang="en-US" dirty="0" smtClean="0"/>
+              <a:t>Donations of products/services from Local Businesses</a:t>
+            </a:r>
+            <a:endParaRPr lang="en-US" dirty="0"/>
           </a:p>
           <a:p>
             <a:pPr lvl="1" fontAlgn="ctr"/>
             <a:r>
               <a:rPr lang="en-US" dirty="0" smtClean="0"/>
-              <a:t>Participate in local Farmer’s Markets to sell items</a:t>
-            </a:r>
+              <a:t>Equipment (i.e. laptops, printers, etc.), Transportation Services (i.e. moving services to pick up donated items), Printing Services (i.e. free flyers), Coupons/Gift Cards.</a:t>
+            </a:r>
+            <a:endParaRPr lang="en-US" dirty="0"/>
+          </a:p>
+          <a:p>
+            <a:pPr fontAlgn="ctr"/>
+            <a:endParaRPr lang="en-US" dirty="0" smtClean="0"/>
           </a:p>
           <a:p>
             <a:pPr lvl="1" fontAlgn="ctr"/>
-            <a:r>
-              <a:rPr lang="en-US" dirty="0" smtClean="0"/>
-              <a:t>Host Farmer’s Markets onsite on a regular basis along with store specials to increase traffic and drive sales</a:t>
-            </a:r>
-            <a:endParaRPr lang="en-US" dirty="0"/>
-          </a:p>
-          <a:p>
-            <a:pPr fontAlgn="ctr"/>
-            <a:r>
-              <a:rPr lang="en-US" dirty="0"/>
-              <a:t>Family volunteer </a:t>
-            </a:r>
-            <a:r>
-              <a:rPr lang="en-US" dirty="0" smtClean="0"/>
-              <a:t>day</a:t>
-            </a:r>
-          </a:p>
-          <a:p>
-            <a:pPr lvl="1" fontAlgn="ctr"/>
-            <a:r>
-              <a:rPr lang="en-US" dirty="0" smtClean="0"/>
-              <a:t>Offer store discount/promotions for the family for volunteering</a:t>
-            </a:r>
+            <a:endParaRPr lang="en-US" dirty="0" smtClean="0"/>
+          </a:p>
+          <a:p>
+            <a:pPr marL="457200" lvl="1" indent="0" fontAlgn="ctr">
+              <a:buNone/>
+            </a:pPr>
+            <a:endParaRPr lang="en-US" dirty="0" smtClean="0"/>
           </a:p>
           <a:p>
             <a:pPr marL="457200" lvl="1" indent="0" fontAlgn="ctr">
@@ -4245,7 +6358,7 @@
     </p:spTree>
     <p:extLst>
       <p:ext uri="{BB962C8B-B14F-4D97-AF65-F5344CB8AC3E}">
-        <p14:creationId xmlns:p14="http://schemas.microsoft.com/office/powerpoint/2010/main" val="1329665208"/>
+        <p14:creationId xmlns:p14="http://schemas.microsoft.com/office/powerpoint/2010/main" val="1994441716"/>
       </p:ext>
     </p:extLst>
   </p:cSld>
@@ -4289,7 +6402,7 @@
           <a:p>
             <a:r>
               <a:rPr lang="en-US" dirty="0" smtClean="0"/>
-              <a:t>Community Outreach</a:t>
+              <a:t>Sales &amp; Promotions</a:t>
             </a:r>
             <a:endParaRPr lang="en-US" dirty="0"/>
           </a:p>
@@ -4308,94 +6421,114 @@
         <p:spPr/>
         <p:txBody>
           <a:bodyPr>
-            <a:normAutofit lnSpcReduction="10000"/>
+            <a:normAutofit fontScale="92500" lnSpcReduction="20000"/>
           </a:bodyPr>
           <a:lstStyle/>
           <a:p>
             <a:pPr fontAlgn="ctr"/>
             <a:r>
               <a:rPr lang="en-US" dirty="0" smtClean="0"/>
-              <a:t>Partner with local Non Profits/Churches</a:t>
+              <a:t>Leverage Social Media</a:t>
             </a:r>
           </a:p>
           <a:p>
             <a:pPr lvl="1" fontAlgn="ctr"/>
             <a:r>
               <a:rPr lang="en-US" dirty="0" smtClean="0"/>
-              <a:t>Participate in community-wide serving events (i.e. Love the Rock)</a:t>
+              <a:t>Free item for new followers</a:t>
             </a:r>
           </a:p>
           <a:p>
             <a:pPr lvl="1" fontAlgn="ctr"/>
             <a:r>
               <a:rPr lang="en-US" dirty="0" smtClean="0"/>
-              <a:t>Team up with other non profits:</a:t>
-            </a:r>
-          </a:p>
-          <a:p>
-            <a:pPr lvl="2" fontAlgn="ctr"/>
-            <a:r>
-              <a:rPr lang="en-US" dirty="0" smtClean="0"/>
-              <a:t>Blood drive truck on-site</a:t>
-            </a:r>
-          </a:p>
-          <a:p>
-            <a:pPr lvl="2" fontAlgn="ctr"/>
-            <a:r>
-              <a:rPr lang="en-US" dirty="0" smtClean="0"/>
-              <a:t>Adopt a Pet</a:t>
-            </a:r>
-          </a:p>
-          <a:p>
-            <a:pPr lvl="2" fontAlgn="ctr"/>
-            <a:r>
-              <a:rPr lang="en-US" dirty="0" smtClean="0"/>
-              <a:t>Fund Raisers</a:t>
+              <a:t>Deal of the Day</a:t>
+            </a:r>
+          </a:p>
+          <a:p>
+            <a:pPr lvl="1" fontAlgn="ctr"/>
+            <a:r>
+              <a:rPr lang="en-US" dirty="0" smtClean="0"/>
+              <a:t>“By the Bag” Day (all you can fit in a bag).</a:t>
+            </a:r>
+          </a:p>
+          <a:p>
+            <a:pPr lvl="1" fontAlgn="ctr"/>
+            <a:r>
+              <a:rPr lang="en-US" dirty="0" smtClean="0"/>
+              <a:t>Mystery Box</a:t>
+            </a:r>
+          </a:p>
+          <a:p>
+            <a:pPr lvl="1" fontAlgn="ctr"/>
+            <a:r>
+              <a:rPr lang="en-US" dirty="0" smtClean="0"/>
+              <a:t>Seasonal Sales (i.e. College Start sales for furniture, Christmas sales, etc.)</a:t>
             </a:r>
           </a:p>
           <a:p>
             <a:pPr fontAlgn="ctr"/>
             <a:r>
               <a:rPr lang="en-US" dirty="0" smtClean="0"/>
-              <a:t>Partner with City of Round Rock</a:t>
+              <a:t>Color Tag Sales</a:t>
             </a:r>
           </a:p>
           <a:p>
             <a:pPr lvl="1" fontAlgn="ctr"/>
             <a:r>
-              <a:rPr lang="en-US" dirty="0" smtClean="0"/>
-              <a:t>Events in public venues (i.e. Centennial Plaza)</a:t>
-            </a:r>
+              <a:rPr lang="en-US" dirty="0"/>
+              <a:t>$1 </a:t>
+            </a:r>
+            <a:r>
+              <a:rPr lang="en-US" dirty="0" smtClean="0"/>
+              <a:t>Day </a:t>
+            </a:r>
+            <a:r>
+              <a:rPr lang="en-US" dirty="0"/>
+              <a:t>(for selected </a:t>
+            </a:r>
+            <a:r>
+              <a:rPr lang="en-US" dirty="0" smtClean="0"/>
+              <a:t>color labels)</a:t>
+            </a:r>
+            <a:endParaRPr lang="en-US" dirty="0"/>
           </a:p>
           <a:p>
             <a:pPr lvl="1" fontAlgn="ctr"/>
             <a:r>
               <a:rPr lang="en-US" dirty="0" smtClean="0"/>
-              <a:t>Library</a:t>
+              <a:t>Rotating percent discounts per tag color </a:t>
             </a:r>
           </a:p>
           <a:p>
             <a:pPr fontAlgn="ctr"/>
             <a:r>
               <a:rPr lang="en-US" dirty="0" smtClean="0"/>
-              <a:t>Sponsor Local Artists Events</a:t>
+              <a:t>Auctions</a:t>
+            </a:r>
+          </a:p>
+          <a:p>
+            <a:pPr lvl="1" fontAlgn="ctr"/>
+            <a:r>
+              <a:rPr lang="en-US" dirty="0" smtClean="0"/>
+              <a:t>High value/new items auction</a:t>
             </a:r>
             <a:endParaRPr lang="en-US" dirty="0"/>
           </a:p>
           <a:p>
+            <a:pPr fontAlgn="ctr"/>
+            <a:r>
+              <a:rPr lang="en-US" dirty="0" smtClean="0"/>
+              <a:t>Raffles to promote Local Businesses</a:t>
+            </a:r>
+            <a:endParaRPr lang="en-US" dirty="0"/>
+          </a:p>
+          <a:p>
             <a:pPr lvl="1" fontAlgn="ctr"/>
             <a:r>
               <a:rPr lang="en-US" dirty="0" smtClean="0"/>
-              <a:t>Concerts with local bands/orchestras (i.e. Round Rock Orchestra)</a:t>
-            </a:r>
-          </a:p>
-          <a:p>
-            <a:pPr marL="457200" lvl="1" indent="0" fontAlgn="ctr">
-              <a:buNone/>
-            </a:pPr>
-            <a:endParaRPr lang="en-US" dirty="0"/>
-          </a:p>
-          <a:p>
+              <a:t>Coupons/discounts to local businesses (i.e. 25% off local restaurant)</a:t>
+            </a:r>
             <a:endParaRPr lang="en-US" dirty="0"/>
           </a:p>
         </p:txBody>
@@ -4403,7 +6536,7 @@
     </p:spTree>
     <p:extLst>
       <p:ext uri="{BB962C8B-B14F-4D97-AF65-F5344CB8AC3E}">
-        <p14:creationId xmlns:p14="http://schemas.microsoft.com/office/powerpoint/2010/main" val="3752550190"/>
+        <p14:creationId xmlns:p14="http://schemas.microsoft.com/office/powerpoint/2010/main" val="1717169795"/>
       </p:ext>
     </p:extLst>
   </p:cSld>
@@ -4447,7 +6580,7 @@
           <a:p>
             <a:r>
               <a:rPr lang="en-US" dirty="0" smtClean="0"/>
-              <a:t>Volunteering</a:t>
+              <a:t>Communication Strategy</a:t>
             </a:r>
             <a:endParaRPr lang="en-US" dirty="0"/>
           </a:p>
@@ -4466,98 +6599,90 @@
         <p:spPr/>
         <p:txBody>
           <a:bodyPr>
-            <a:normAutofit/>
+            <a:normAutofit fontScale="92500" lnSpcReduction="20000"/>
           </a:bodyPr>
           <a:lstStyle/>
           <a:p>
             <a:pPr fontAlgn="ctr"/>
             <a:r>
               <a:rPr lang="en-US" dirty="0" smtClean="0"/>
-              <a:t>Partner with local Colleges</a:t>
+              <a:t>Social Media</a:t>
             </a:r>
           </a:p>
           <a:p>
             <a:pPr lvl="1" fontAlgn="ctr"/>
             <a:r>
               <a:rPr lang="en-US" dirty="0" smtClean="0"/>
-              <a:t>Leverage recruiting strategy/connections to tap for potential volunteers</a:t>
+              <a:t>Twitter</a:t>
             </a:r>
           </a:p>
           <a:p>
             <a:pPr lvl="1" fontAlgn="ctr"/>
             <a:r>
               <a:rPr lang="en-US" dirty="0" smtClean="0"/>
-              <a:t>Connect with Student Organizations</a:t>
+              <a:t>Facebook</a:t>
             </a:r>
           </a:p>
           <a:p>
             <a:pPr lvl="1" fontAlgn="ctr"/>
             <a:r>
-              <a:rPr lang="en-US" dirty="0" smtClean="0"/>
-              <a:t>Connect with Faculty to speak at classrooms and sponsor class projects</a:t>
-            </a:r>
+              <a:rPr lang="en-US" dirty="0" err="1" smtClean="0"/>
+              <a:t>Youtube</a:t>
+            </a:r>
+            <a:endParaRPr lang="en-US" dirty="0" smtClean="0"/>
+          </a:p>
+          <a:p>
+            <a:pPr lvl="1" fontAlgn="ctr"/>
+            <a:r>
+              <a:rPr lang="en-US" dirty="0" smtClean="0"/>
+              <a:t>Instagram</a:t>
+            </a:r>
+          </a:p>
+          <a:p>
+            <a:pPr lvl="1" fontAlgn="ctr"/>
+            <a:r>
+              <a:rPr lang="en-US" dirty="0" smtClean="0"/>
+              <a:t>Craigslist</a:t>
+            </a:r>
+          </a:p>
+          <a:p>
+            <a:pPr lvl="1" fontAlgn="ctr"/>
             <a:endParaRPr lang="en-US" dirty="0"/>
           </a:p>
           <a:p>
             <a:pPr fontAlgn="ctr"/>
             <a:r>
               <a:rPr lang="en-US" dirty="0" smtClean="0"/>
-              <a:t>Partner with local High Schools</a:t>
+              <a:t>Newsletters/Flyers</a:t>
             </a:r>
           </a:p>
           <a:p>
             <a:pPr lvl="1" fontAlgn="ctr"/>
             <a:r>
               <a:rPr lang="en-US" dirty="0" smtClean="0"/>
-              <a:t>Connect with Parents’ association </a:t>
+              <a:t>Events / Volunteering opportunities and needs</a:t>
             </a:r>
           </a:p>
           <a:p>
             <a:pPr lvl="1" fontAlgn="ctr"/>
             <a:r>
               <a:rPr lang="en-US" dirty="0" smtClean="0"/>
-              <a:t>Connect with High School Counselors</a:t>
-            </a:r>
-          </a:p>
-          <a:p>
-            <a:pPr lvl="1" fontAlgn="ctr"/>
-            <a:r>
-              <a:rPr lang="en-US" dirty="0" smtClean="0"/>
-              <a:t>Promote Family Volunteer Day</a:t>
+              <a:t>Ways to donate</a:t>
             </a:r>
           </a:p>
           <a:p>
             <a:pPr fontAlgn="ctr"/>
             <a:r>
               <a:rPr lang="en-US" dirty="0" smtClean="0"/>
-              <a:t>Partner with local Companies</a:t>
-            </a:r>
-          </a:p>
-          <a:p>
-            <a:pPr lvl="1" fontAlgn="ctr"/>
-            <a:r>
-              <a:rPr lang="en-US" dirty="0" smtClean="0"/>
-              <a:t>Connect with Employee </a:t>
-            </a:r>
-            <a:r>
-              <a:rPr lang="en-US" smtClean="0"/>
-              <a:t>Resource Groups (ERGs) </a:t>
-            </a:r>
-            <a:endParaRPr lang="en-US" dirty="0" smtClean="0"/>
-          </a:p>
-          <a:p>
-            <a:pPr marL="457200" lvl="1" indent="0" fontAlgn="ctr">
-              <a:buNone/>
-            </a:pPr>
-            <a:endParaRPr lang="en-US" dirty="0" smtClean="0"/>
-          </a:p>
-          <a:p>
-            <a:pPr marL="457200" lvl="1" indent="0" fontAlgn="ctr">
-              <a:buNone/>
-            </a:pPr>
-            <a:endParaRPr lang="en-US" dirty="0"/>
-          </a:p>
-          <a:p>
+              <a:t>Communications to volunteers of upcoming events</a:t>
+            </a:r>
+          </a:p>
+          <a:p>
+            <a:pPr fontAlgn="ctr"/>
+            <a:r>
+              <a:rPr lang="en-US" dirty="0" smtClean="0"/>
+              <a:t>Customer Success Stories/Testimonials</a:t>
+            </a:r>
             <a:endParaRPr lang="en-US" dirty="0"/>
           </a:p>
         </p:txBody>
@@ -4565,7 +6690,7 @@
     </p:spTree>
     <p:extLst>
       <p:ext uri="{BB962C8B-B14F-4D97-AF65-F5344CB8AC3E}">
-        <p14:creationId xmlns:p14="http://schemas.microsoft.com/office/powerpoint/2010/main" val="1771160345"/>
+        <p14:creationId xmlns:p14="http://schemas.microsoft.com/office/powerpoint/2010/main" val="3842098274"/>
       </p:ext>
     </p:extLst>
   </p:cSld>

--- a/RRASC Marketing Strategy Propossal.pptx
+++ b/RRASC Marketing Strategy Propossal.pptx
@@ -20,6 +20,7 @@
     <p:sldId id="268" r:id="rId14"/>
     <p:sldId id="259" r:id="rId15"/>
     <p:sldId id="261" r:id="rId16"/>
+    <p:sldId id="274" r:id="rId17"/>
   </p:sldIdLst>
   <p:sldSz cx="12192000" cy="6858000"/>
   <p:notesSz cx="6858000" cy="9144000"/>
@@ -563,12 +564,12 @@
         </c:dLbls>
         <c:gapWidth val="65"/>
         <c:shape val="box"/>
-        <c:axId val="479570536"/>
-        <c:axId val="249225200"/>
+        <c:axId val="484725568"/>
+        <c:axId val="484722432"/>
         <c:axId val="0"/>
       </c:bar3DChart>
       <c:catAx>
-        <c:axId val="479570536"/>
+        <c:axId val="484725568"/>
         <c:scaling>
           <c:orientation val="minMax"/>
         </c:scaling>
@@ -611,7 +612,7 @@
             <a:endParaRPr lang="en-US"/>
           </a:p>
         </c:txPr>
-        <c:crossAx val="249225200"/>
+        <c:crossAx val="484722432"/>
         <c:crosses val="autoZero"/>
         <c:auto val="1"/>
         <c:lblAlgn val="ctr"/>
@@ -619,7 +620,7 @@
         <c:noMultiLvlLbl val="0"/>
       </c:catAx>
       <c:valAx>
-        <c:axId val="249225200"/>
+        <c:axId val="484722432"/>
         <c:scaling>
           <c:orientation val="minMax"/>
         </c:scaling>
@@ -643,7 +644,7 @@
         <c:majorTickMark val="none"/>
         <c:minorTickMark val="none"/>
         <c:tickLblPos val="nextTo"/>
-        <c:crossAx val="479570536"/>
+        <c:crossAx val="484725568"/>
         <c:crosses val="autoZero"/>
         <c:crossBetween val="between"/>
       </c:valAx>
@@ -4490,6 +4491,13 @@
   <p:clrMapOvr>
     <a:masterClrMapping/>
   </p:clrMapOvr>
+  <p:timing>
+    <p:tnLst>
+      <p:par>
+        <p:cTn id="1" dur="indefinite" restart="never" nodeType="tmRoot"/>
+      </p:par>
+    </p:tnLst>
+  </p:timing>
 </p:sld>
 </file>
 
@@ -4793,6 +4801,13 @@
   <p:clrMapOvr>
     <a:masterClrMapping/>
   </p:clrMapOvr>
+  <p:timing>
+    <p:tnLst>
+      <p:par>
+        <p:cTn id="1" dur="indefinite" restart="never" nodeType="tmRoot"/>
+      </p:par>
+    </p:tnLst>
+  </p:timing>
 </p:sld>
 </file>
 
@@ -5300,6 +5315,160 @@
   <p:clrMapOvr>
     <a:masterClrMapping/>
   </p:clrMapOvr>
+  <p:timing>
+    <p:tnLst>
+      <p:par>
+        <p:cTn id="1" dur="indefinite" restart="never" nodeType="tmRoot"/>
+      </p:par>
+    </p:tnLst>
+  </p:timing>
+</p:sld>
+</file>
+
+<file path=ppt/slides/slide16.xml><?xml version="1.0" encoding="utf-8"?>
+<p:sld xmlns:a="http://schemas.openxmlformats.org/drawingml/2006/main" xmlns:r="http://schemas.openxmlformats.org/officeDocument/2006/relationships" xmlns:p="http://schemas.openxmlformats.org/presentationml/2006/main">
+  <p:cSld>
+    <p:spTree>
+      <p:nvGrpSpPr>
+        <p:cNvPr id="1" name=""/>
+        <p:cNvGrpSpPr/>
+        <p:nvPr/>
+      </p:nvGrpSpPr>
+      <p:grpSpPr>
+        <a:xfrm>
+          <a:off x="0" y="0"/>
+          <a:ext cx="0" cy="0"/>
+          <a:chOff x="0" y="0"/>
+          <a:chExt cx="0" cy="0"/>
+        </a:xfrm>
+      </p:grpSpPr>
+      <p:sp>
+        <p:nvSpPr>
+          <p:cNvPr id="2" name="Title 1"/>
+          <p:cNvSpPr>
+            <a:spLocks noGrp="1"/>
+          </p:cNvSpPr>
+          <p:nvPr>
+            <p:ph type="title"/>
+          </p:nvPr>
+        </p:nvSpPr>
+        <p:spPr/>
+        <p:txBody>
+          <a:bodyPr/>
+          <a:lstStyle/>
+          <a:p>
+            <a:r>
+              <a:rPr lang="en-US" dirty="0" smtClean="0"/>
+              <a:t>Team</a:t>
+            </a:r>
+            <a:endParaRPr lang="en-US" dirty="0"/>
+          </a:p>
+        </p:txBody>
+      </p:sp>
+      <p:sp>
+        <p:nvSpPr>
+          <p:cNvPr id="3" name="Content Placeholder 2"/>
+          <p:cNvSpPr>
+            <a:spLocks noGrp="1"/>
+          </p:cNvSpPr>
+          <p:nvPr>
+            <p:ph idx="1"/>
+          </p:nvPr>
+        </p:nvSpPr>
+        <p:spPr/>
+        <p:txBody>
+          <a:bodyPr/>
+          <a:lstStyle/>
+          <a:p>
+            <a:r>
+              <a:rPr lang="en-US" dirty="0" smtClean="0"/>
+              <a:t>Shilpa Telang (</a:t>
+            </a:r>
+            <a:r>
+              <a:rPr lang="en-US" dirty="0" smtClean="0">
+                <a:hlinkClick r:id="rId2"/>
+              </a:rPr>
+              <a:t>Shilpa_Telang@dell.com</a:t>
+            </a:r>
+            <a:r>
+              <a:rPr lang="en-US" dirty="0" smtClean="0"/>
+              <a:t>)</a:t>
+            </a:r>
+          </a:p>
+          <a:p>
+            <a:r>
+              <a:rPr lang="en-US" dirty="0" smtClean="0"/>
+              <a:t>Kimberly Pierce (</a:t>
+            </a:r>
+            <a:r>
+              <a:rPr lang="en-US" dirty="0" smtClean="0">
+                <a:hlinkClick r:id="rId3"/>
+              </a:rPr>
+              <a:t>Kimberly_Pierce@dell.com</a:t>
+            </a:r>
+            <a:r>
+              <a:rPr lang="en-US" dirty="0" smtClean="0"/>
+              <a:t>)</a:t>
+            </a:r>
+          </a:p>
+          <a:p>
+            <a:r>
+              <a:rPr lang="en-US" dirty="0" smtClean="0"/>
+              <a:t>Jerome </a:t>
+            </a:r>
+            <a:r>
+              <a:rPr lang="en-US" dirty="0" err="1" smtClean="0"/>
+              <a:t>Korthals</a:t>
+            </a:r>
+            <a:r>
+              <a:rPr lang="en-US" dirty="0" smtClean="0"/>
+              <a:t> (</a:t>
+            </a:r>
+            <a:r>
+              <a:rPr lang="en-US" dirty="0" smtClean="0">
+                <a:hlinkClick r:id="rId4"/>
+              </a:rPr>
+              <a:t>Jerome_Korthals@dell.com</a:t>
+            </a:r>
+            <a:r>
+              <a:rPr lang="en-US" dirty="0" smtClean="0"/>
+              <a:t>)</a:t>
+            </a:r>
+          </a:p>
+          <a:p>
+            <a:r>
+              <a:rPr lang="en-US" dirty="0" smtClean="0"/>
+              <a:t>Yonathan Vivas (</a:t>
+            </a:r>
+            <a:r>
+              <a:rPr lang="en-US" dirty="0" smtClean="0">
+                <a:hlinkClick r:id="rId5"/>
+              </a:rPr>
+              <a:t>Yonathan_Vivas@dell.com</a:t>
+            </a:r>
+            <a:r>
+              <a:rPr lang="en-US" dirty="0" smtClean="0"/>
+              <a:t>)</a:t>
+            </a:r>
+          </a:p>
+          <a:p>
+            <a:pPr marL="0" indent="0">
+              <a:buNone/>
+            </a:pPr>
+            <a:endParaRPr lang="en-US" dirty="0"/>
+          </a:p>
+        </p:txBody>
+      </p:sp>
+    </p:spTree>
+    <p:extLst>
+      <p:ext uri="{BB962C8B-B14F-4D97-AF65-F5344CB8AC3E}">
+        <p14:creationId xmlns:p14="http://schemas.microsoft.com/office/powerpoint/2010/main" val="1572087731"/>
+      </p:ext>
+    </p:extLst>
+  </p:cSld>
+  <p:clrMapOvr>
+    <a:masterClrMapping/>
+  </p:clrMapOvr>
 </p:sld>
 </file>
 
@@ -5353,6 +5522,13 @@
   <p:clrMapOvr>
     <a:masterClrMapping/>
   </p:clrMapOvr>
+  <p:timing>
+    <p:tnLst>
+      <p:par>
+        <p:cTn id="1" dur="indefinite" restart="never" nodeType="tmRoot"/>
+      </p:par>
+    </p:tnLst>
+  </p:timing>
 </p:sld>
 </file>
 
@@ -6365,6 +6541,13 @@
   <p:clrMapOvr>
     <a:masterClrMapping/>
   </p:clrMapOvr>
+  <p:timing>
+    <p:tnLst>
+      <p:par>
+        <p:cTn id="1" dur="indefinite" restart="never" nodeType="tmRoot"/>
+      </p:par>
+    </p:tnLst>
+  </p:timing>
 </p:sld>
 </file>
 
@@ -6543,6 +6726,13 @@
   <p:clrMapOvr>
     <a:masterClrMapping/>
   </p:clrMapOvr>
+  <p:timing>
+    <p:tnLst>
+      <p:par>
+        <p:cTn id="1" dur="indefinite" restart="never" nodeType="tmRoot"/>
+      </p:par>
+    </p:tnLst>
+  </p:timing>
 </p:sld>
 </file>
 
@@ -6697,6 +6887,13 @@
   <p:clrMapOvr>
     <a:masterClrMapping/>
   </p:clrMapOvr>
+  <p:timing>
+    <p:tnLst>
+      <p:par>
+        <p:cTn id="1" dur="indefinite" restart="never" nodeType="tmRoot"/>
+      </p:par>
+    </p:tnLst>
+  </p:timing>
 </p:sld>
 </file>
 
